--- a/dokumentacja/Pawelek_Waszkiewicz_prezentacja.pptx
+++ b/dokumentacja/Pawelek_Waszkiewicz_prezentacja.pptx
@@ -2076,13 +2076,13 @@
   <p:clrMapOvr>
     <a:masterClrMapping/>
   </p:clrMapOvr>
-  <mc:AlternateContent xmlns:mc="http://schemas.openxmlformats.org/markup-compatibility/2006">
-    <mc:Choice xmlns:p14="http://schemas.microsoft.com/office/powerpoint/2010/main" Requires="p14">
+  <mc:AlternateContent xmlns:mc="http://schemas.openxmlformats.org/markup-compatibility/2006" xmlns:p14="http://schemas.microsoft.com/office/powerpoint/2010/main">
+    <mc:Choice Requires="p14">
       <p:transition spd="slow" p14:dur="1200">
         <p14:prism/>
       </p:transition>
     </mc:Choice>
-    <mc:Fallback>
+    <mc:Fallback xmlns="">
       <p:transition spd="slow">
         <p:fade/>
       </p:transition>
@@ -3503,13 +3503,13 @@
   <p:clrMapOvr>
     <a:masterClrMapping/>
   </p:clrMapOvr>
-  <mc:AlternateContent xmlns:mc="http://schemas.openxmlformats.org/markup-compatibility/2006">
-    <mc:Choice xmlns:p14="http://schemas.microsoft.com/office/powerpoint/2010/main" Requires="p14">
+  <mc:AlternateContent xmlns:mc="http://schemas.openxmlformats.org/markup-compatibility/2006" xmlns:p14="http://schemas.microsoft.com/office/powerpoint/2010/main">
+    <mc:Choice Requires="p14">
       <p:transition spd="slow" p14:dur="1200">
         <p14:prism/>
       </p:transition>
     </mc:Choice>
-    <mc:Fallback>
+    <mc:Fallback xmlns="">
       <p:transition spd="slow">
         <p:fade/>
       </p:transition>
@@ -3857,13 +3857,13 @@
   <p:clrMapOvr>
     <a:masterClrMapping/>
   </p:clrMapOvr>
-  <mc:AlternateContent xmlns:mc="http://schemas.openxmlformats.org/markup-compatibility/2006">
-    <mc:Choice xmlns:p14="http://schemas.microsoft.com/office/powerpoint/2010/main" Requires="p14">
+  <mc:AlternateContent xmlns:mc="http://schemas.openxmlformats.org/markup-compatibility/2006" xmlns:p14="http://schemas.microsoft.com/office/powerpoint/2010/main">
+    <mc:Choice Requires="p14">
       <p:transition spd="slow" p14:dur="1200">
         <p14:prism/>
       </p:transition>
     </mc:Choice>
-    <mc:Fallback>
+    <mc:Fallback xmlns="">
       <p:transition spd="slow">
         <p:fade/>
       </p:transition>
@@ -4974,13 +4974,13 @@
   <p:clrMapOvr>
     <a:masterClrMapping/>
   </p:clrMapOvr>
-  <mc:AlternateContent xmlns:mc="http://schemas.openxmlformats.org/markup-compatibility/2006">
-    <mc:Choice xmlns:p14="http://schemas.microsoft.com/office/powerpoint/2010/main" Requires="p14">
+  <mc:AlternateContent xmlns:mc="http://schemas.openxmlformats.org/markup-compatibility/2006" xmlns:p14="http://schemas.microsoft.com/office/powerpoint/2010/main">
+    <mc:Choice Requires="p14">
       <p:transition spd="slow" p14:dur="1200">
         <p14:prism/>
       </p:transition>
     </mc:Choice>
-    <mc:Fallback>
+    <mc:Fallback xmlns="">
       <p:transition spd="slow">
         <p:fade/>
       </p:transition>
@@ -6064,13 +6064,13 @@
   <p:clrMapOvr>
     <a:masterClrMapping/>
   </p:clrMapOvr>
-  <mc:AlternateContent xmlns:mc="http://schemas.openxmlformats.org/markup-compatibility/2006">
-    <mc:Choice xmlns:p14="http://schemas.microsoft.com/office/powerpoint/2010/main" Requires="p14">
+  <mc:AlternateContent xmlns:mc="http://schemas.openxmlformats.org/markup-compatibility/2006" xmlns:p14="http://schemas.microsoft.com/office/powerpoint/2010/main">
+    <mc:Choice Requires="p14">
       <p:transition spd="slow" p14:dur="1200">
         <p14:prism/>
       </p:transition>
     </mc:Choice>
-    <mc:Fallback>
+    <mc:Fallback xmlns="">
       <p:transition spd="slow">
         <p:fade/>
       </p:transition>
@@ -6780,13 +6780,13 @@
   <p:clrMapOvr>
     <a:masterClrMapping/>
   </p:clrMapOvr>
-  <mc:AlternateContent xmlns:mc="http://schemas.openxmlformats.org/markup-compatibility/2006">
-    <mc:Choice xmlns:p14="http://schemas.microsoft.com/office/powerpoint/2010/main" Requires="p14">
+  <mc:AlternateContent xmlns:mc="http://schemas.openxmlformats.org/markup-compatibility/2006" xmlns:p14="http://schemas.microsoft.com/office/powerpoint/2010/main">
+    <mc:Choice Requires="p14">
       <p:transition spd="slow" p14:dur="1200">
         <p14:prism/>
       </p:transition>
     </mc:Choice>
-    <mc:Fallback>
+    <mc:Fallback xmlns="">
       <p:transition spd="slow">
         <p:fade/>
       </p:transition>
@@ -6916,13 +6916,13 @@
   <p:clrMapOvr>
     <a:masterClrMapping/>
   </p:clrMapOvr>
-  <mc:AlternateContent xmlns:mc="http://schemas.openxmlformats.org/markup-compatibility/2006">
-    <mc:Choice xmlns:p14="http://schemas.microsoft.com/office/powerpoint/2010/main" Requires="p14">
+  <mc:AlternateContent xmlns:mc="http://schemas.openxmlformats.org/markup-compatibility/2006" xmlns:p14="http://schemas.microsoft.com/office/powerpoint/2010/main">
+    <mc:Choice Requires="p14">
       <p:transition spd="slow" p14:dur="1200">
         <p14:prism/>
       </p:transition>
     </mc:Choice>
-    <mc:Fallback>
+    <mc:Fallback xmlns="">
       <p:transition spd="slow">
         <p:fade/>
       </p:transition>
@@ -7585,13 +7585,13 @@
   <p:clrMapOvr>
     <a:masterClrMapping/>
   </p:clrMapOvr>
-  <mc:AlternateContent xmlns:mc="http://schemas.openxmlformats.org/markup-compatibility/2006">
-    <mc:Choice xmlns:p14="http://schemas.microsoft.com/office/powerpoint/2010/main" Requires="p14">
+  <mc:AlternateContent xmlns:mc="http://schemas.openxmlformats.org/markup-compatibility/2006" xmlns:p14="http://schemas.microsoft.com/office/powerpoint/2010/main">
+    <mc:Choice Requires="p14">
       <p:transition spd="slow" p14:dur="1200">
         <p14:prism/>
       </p:transition>
     </mc:Choice>
-    <mc:Fallback>
+    <mc:Fallback xmlns="">
       <p:transition spd="slow">
         <p:fade/>
       </p:transition>
@@ -8523,13 +8523,13 @@
   <p:clrMapOvr>
     <a:masterClrMapping/>
   </p:clrMapOvr>
-  <mc:AlternateContent xmlns:mc="http://schemas.openxmlformats.org/markup-compatibility/2006">
-    <mc:Choice xmlns:p14="http://schemas.microsoft.com/office/powerpoint/2010/main" Requires="p14">
+  <mc:AlternateContent xmlns:mc="http://schemas.openxmlformats.org/markup-compatibility/2006" xmlns:p14="http://schemas.microsoft.com/office/powerpoint/2010/main">
+    <mc:Choice Requires="p14">
       <p:transition spd="slow" p14:dur="1200">
         <p14:prism/>
       </p:transition>
     </mc:Choice>
-    <mc:Fallback>
+    <mc:Fallback xmlns="">
       <p:transition spd="slow">
         <p:fade/>
       </p:transition>
@@ -8913,13 +8913,13 @@
   <p:clrMapOvr>
     <a:masterClrMapping/>
   </p:clrMapOvr>
-  <mc:AlternateContent xmlns:mc="http://schemas.openxmlformats.org/markup-compatibility/2006">
-    <mc:Choice xmlns:p14="http://schemas.microsoft.com/office/powerpoint/2010/main" Requires="p14">
+  <mc:AlternateContent xmlns:mc="http://schemas.openxmlformats.org/markup-compatibility/2006" xmlns:p14="http://schemas.microsoft.com/office/powerpoint/2010/main">
+    <mc:Choice Requires="p14">
       <p:transition spd="slow" p14:dur="1200">
         <p14:prism/>
       </p:transition>
     </mc:Choice>
-    <mc:Fallback>
+    <mc:Fallback xmlns="">
       <p:transition spd="slow">
         <p:fade/>
       </p:transition>
@@ -9313,13 +9313,13 @@
   <p:clrMapOvr>
     <a:overrideClrMapping bg1="dk1" tx1="lt1" bg2="dk2" tx2="lt2" accent1="accent1" accent2="accent2" accent3="accent3" accent4="accent4" accent5="accent5" accent6="accent6" hlink="hlink" folHlink="folHlink"/>
   </p:clrMapOvr>
-  <mc:AlternateContent xmlns:mc="http://schemas.openxmlformats.org/markup-compatibility/2006">
-    <mc:Choice xmlns:p14="http://schemas.microsoft.com/office/powerpoint/2010/main" Requires="p14">
+  <mc:AlternateContent xmlns:mc="http://schemas.openxmlformats.org/markup-compatibility/2006" xmlns:p14="http://schemas.microsoft.com/office/powerpoint/2010/main">
+    <mc:Choice Requires="p14">
       <p:transition spd="slow" p14:dur="1200">
         <p14:prism/>
       </p:transition>
     </mc:Choice>
-    <mc:Fallback>
+    <mc:Fallback xmlns="">
       <p:transition spd="slow">
         <p:fade/>
       </p:transition>
@@ -9529,13 +9529,13 @@
   <p:clrMapOvr>
     <a:overrideClrMapping bg1="dk1" tx1="lt1" bg2="dk2" tx2="lt2" accent1="accent1" accent2="accent2" accent3="accent3" accent4="accent4" accent5="accent5" accent6="accent6" hlink="hlink" folHlink="folHlink"/>
   </p:clrMapOvr>
-  <mc:AlternateContent xmlns:mc="http://schemas.openxmlformats.org/markup-compatibility/2006">
-    <mc:Choice xmlns:p14="http://schemas.microsoft.com/office/powerpoint/2010/main" Requires="p14">
+  <mc:AlternateContent xmlns:mc="http://schemas.openxmlformats.org/markup-compatibility/2006" xmlns:p14="http://schemas.microsoft.com/office/powerpoint/2010/main">
+    <mc:Choice Requires="p14">
       <p:transition spd="slow" p14:dur="1200">
         <p14:prism/>
       </p:transition>
     </mc:Choice>
-    <mc:Fallback>
+    <mc:Fallback xmlns="">
       <p:transition spd="slow">
         <p:fade/>
       </p:transition>
@@ -10219,13 +10219,13 @@
   <p:clrMapOvr>
     <a:masterClrMapping/>
   </p:clrMapOvr>
-  <mc:AlternateContent xmlns:mc="http://schemas.openxmlformats.org/markup-compatibility/2006">
-    <mc:Choice xmlns:p14="http://schemas.microsoft.com/office/powerpoint/2010/main" Requires="p14">
+  <mc:AlternateContent xmlns:mc="http://schemas.openxmlformats.org/markup-compatibility/2006" xmlns:p14="http://schemas.microsoft.com/office/powerpoint/2010/main">
+    <mc:Choice Requires="p14">
       <p:transition spd="slow" p14:dur="1200">
         <p14:prism/>
       </p:transition>
     </mc:Choice>
-    <mc:Fallback>
+    <mc:Fallback xmlns="">
       <p:transition spd="slow">
         <p:fade/>
       </p:transition>
@@ -11100,13 +11100,13 @@
   <p:clrMapOvr>
     <a:masterClrMapping/>
   </p:clrMapOvr>
-  <mc:AlternateContent xmlns:mc="http://schemas.openxmlformats.org/markup-compatibility/2006">
-    <mc:Choice xmlns:p14="http://schemas.microsoft.com/office/powerpoint/2010/main" Requires="p14">
+  <mc:AlternateContent xmlns:mc="http://schemas.openxmlformats.org/markup-compatibility/2006" xmlns:p14="http://schemas.microsoft.com/office/powerpoint/2010/main">
+    <mc:Choice Requires="p14">
       <p:transition spd="slow" p14:dur="1200">
         <p14:prism/>
       </p:transition>
     </mc:Choice>
-    <mc:Fallback>
+    <mc:Fallback xmlns="">
       <p:transition spd="slow">
         <p:fade/>
       </p:transition>
@@ -12360,13 +12360,13 @@
   <p:clrMapOvr>
     <a:masterClrMapping/>
   </p:clrMapOvr>
-  <mc:AlternateContent xmlns:mc="http://schemas.openxmlformats.org/markup-compatibility/2006">
-    <mc:Choice xmlns:p14="http://schemas.microsoft.com/office/powerpoint/2010/main" Requires="p14">
+  <mc:AlternateContent xmlns:mc="http://schemas.openxmlformats.org/markup-compatibility/2006" xmlns:p14="http://schemas.microsoft.com/office/powerpoint/2010/main">
+    <mc:Choice Requires="p14">
       <p:transition spd="slow" p14:dur="1200">
         <p14:prism/>
       </p:transition>
     </mc:Choice>
-    <mc:Fallback>
+    <mc:Fallback xmlns="">
       <p:transition spd="slow">
         <p:fade/>
       </p:transition>
@@ -12962,13 +12962,13 @@
   <p:clrMapOvr>
     <a:masterClrMapping/>
   </p:clrMapOvr>
-  <mc:AlternateContent xmlns:mc="http://schemas.openxmlformats.org/markup-compatibility/2006">
-    <mc:Choice xmlns:p14="http://schemas.microsoft.com/office/powerpoint/2010/main" Requires="p14">
+  <mc:AlternateContent xmlns:mc="http://schemas.openxmlformats.org/markup-compatibility/2006" xmlns:p14="http://schemas.microsoft.com/office/powerpoint/2010/main">
+    <mc:Choice Requires="p14">
       <p:transition spd="slow" p14:dur="1200">
         <p14:prism/>
       </p:transition>
     </mc:Choice>
-    <mc:Fallback>
+    <mc:Fallback xmlns="">
       <p:transition spd="slow">
         <p:fade/>
       </p:transition>
@@ -13289,13 +13289,13 @@
     <p:sldLayoutId id="2147483691" r:id="rId15"/>
     <p:sldLayoutId id="2147483692" r:id="rId16"/>
   </p:sldLayoutIdLst>
-  <mc:AlternateContent xmlns:mc="http://schemas.openxmlformats.org/markup-compatibility/2006">
-    <mc:Choice xmlns:p14="http://schemas.microsoft.com/office/powerpoint/2010/main" Requires="p14">
+  <mc:AlternateContent xmlns:mc="http://schemas.openxmlformats.org/markup-compatibility/2006" xmlns:p14="http://schemas.microsoft.com/office/powerpoint/2010/main">
+    <mc:Choice Requires="p14">
       <p:transition spd="slow" p14:dur="1200">
         <p14:prism/>
       </p:transition>
     </mc:Choice>
-    <mc:Fallback>
+    <mc:Fallback xmlns="">
       <p:transition spd="slow">
         <p:fade/>
       </p:transition>
@@ -13944,13 +13944,13 @@
   <p:clrMapOvr>
     <a:masterClrMapping/>
   </p:clrMapOvr>
-  <mc:AlternateContent xmlns:mc="http://schemas.openxmlformats.org/markup-compatibility/2006">
-    <mc:Choice xmlns:p14="http://schemas.microsoft.com/office/powerpoint/2010/main" Requires="p14">
+  <mc:AlternateContent xmlns:mc="http://schemas.openxmlformats.org/markup-compatibility/2006" xmlns:p14="http://schemas.microsoft.com/office/powerpoint/2010/main">
+    <mc:Choice Requires="p14">
       <p:transition spd="slow" p14:dur="1200">
         <p14:prism/>
       </p:transition>
     </mc:Choice>
-    <mc:Fallback>
+    <mc:Fallback xmlns="">
       <p:transition spd="slow">
         <p:fade/>
       </p:transition>
@@ -14036,9 +14036,10 @@
           <a:bodyPr rtlCol="0"/>
           <a:lstStyle/>
           <a:p>
+            <a:pPr rtl="0"/>
             <a:r>
               <a:rPr lang="pl-PL" dirty="0"/>
-              <a:t>Piątek, 17 grudnia 2022</a:t>
+              <a:t>Piątek, 16 grudnia 2022</a:t>
             </a:r>
           </a:p>
         </p:txBody>
@@ -14203,13 +14204,13 @@
   <p:clrMapOvr>
     <a:masterClrMapping/>
   </p:clrMapOvr>
-  <mc:AlternateContent xmlns:mc="http://schemas.openxmlformats.org/markup-compatibility/2006">
-    <mc:Choice xmlns:p14="http://schemas.microsoft.com/office/powerpoint/2010/main" Requires="p14">
+  <mc:AlternateContent xmlns:mc="http://schemas.openxmlformats.org/markup-compatibility/2006" xmlns:p14="http://schemas.microsoft.com/office/powerpoint/2010/main">
+    <mc:Choice Requires="p14">
       <p:transition spd="slow" p14:dur="1200">
         <p14:prism/>
       </p:transition>
     </mc:Choice>
-    <mc:Fallback>
+    <mc:Fallback xmlns="">
       <p:transition spd="slow">
         <p:fade/>
       </p:transition>
@@ -14474,9 +14475,10 @@
           <a:bodyPr rtlCol="0"/>
           <a:lstStyle/>
           <a:p>
+            <a:pPr rtl="0"/>
             <a:r>
               <a:rPr lang="pl-PL" dirty="0"/>
-              <a:t>Piątek, 17 grudnia 2022</a:t>
+              <a:t>Piątek, 16 grudnia 2022</a:t>
             </a:r>
           </a:p>
         </p:txBody>
@@ -14557,13 +14559,13 @@
   <p:clrMapOvr>
     <a:masterClrMapping/>
   </p:clrMapOvr>
-  <mc:AlternateContent xmlns:mc="http://schemas.openxmlformats.org/markup-compatibility/2006">
-    <mc:Choice xmlns:p14="http://schemas.microsoft.com/office/powerpoint/2010/main" Requires="p14">
+  <mc:AlternateContent xmlns:mc="http://schemas.openxmlformats.org/markup-compatibility/2006" xmlns:p14="http://schemas.microsoft.com/office/powerpoint/2010/main">
+    <mc:Choice Requires="p14">
       <p:transition spd="slow" p14:dur="1200">
         <p14:prism/>
       </p:transition>
     </mc:Choice>
-    <mc:Fallback>
+    <mc:Fallback xmlns="">
       <p:transition spd="slow">
         <p:fade/>
       </p:transition>
@@ -14778,9 +14780,10 @@
           <a:bodyPr rtlCol="0"/>
           <a:lstStyle/>
           <a:p>
+            <a:pPr rtl="0"/>
             <a:r>
               <a:rPr lang="pl-PL" dirty="0"/>
-              <a:t>Piątek, 17 grudnia 2022</a:t>
+              <a:t>Piątek, 16 grudnia 2022</a:t>
             </a:r>
           </a:p>
         </p:txBody>
@@ -14927,13 +14930,13 @@
   <p:clrMapOvr>
     <a:masterClrMapping/>
   </p:clrMapOvr>
-  <mc:AlternateContent xmlns:mc="http://schemas.openxmlformats.org/markup-compatibility/2006">
-    <mc:Choice xmlns:p14="http://schemas.microsoft.com/office/powerpoint/2010/main" Requires="p14">
+  <mc:AlternateContent xmlns:mc="http://schemas.openxmlformats.org/markup-compatibility/2006" xmlns:p14="http://schemas.microsoft.com/office/powerpoint/2010/main">
+    <mc:Choice Requires="p14">
       <p:transition spd="slow" p14:dur="1200">
         <p14:prism/>
       </p:transition>
     </mc:Choice>
-    <mc:Fallback>
+    <mc:Fallback xmlns="">
       <p:transition spd="slow">
         <p:fade/>
       </p:transition>
@@ -15232,9 +15235,10 @@
           <a:bodyPr rtlCol="0"/>
           <a:lstStyle/>
           <a:p>
+            <a:pPr rtl="0"/>
             <a:r>
               <a:rPr lang="pl-PL" dirty="0"/>
-              <a:t>Piątek, 17 grudnia 2022</a:t>
+              <a:t>Piątek, 16 grudnia 2022</a:t>
             </a:r>
           </a:p>
         </p:txBody>
@@ -15345,13 +15349,13 @@
   <p:clrMapOvr>
     <a:masterClrMapping/>
   </p:clrMapOvr>
-  <mc:AlternateContent xmlns:mc="http://schemas.openxmlformats.org/markup-compatibility/2006">
-    <mc:Choice xmlns:p14="http://schemas.microsoft.com/office/powerpoint/2010/main" Requires="p14">
+  <mc:AlternateContent xmlns:mc="http://schemas.openxmlformats.org/markup-compatibility/2006" xmlns:p14="http://schemas.microsoft.com/office/powerpoint/2010/main">
+    <mc:Choice Requires="p14">
       <p:transition spd="slow" p14:dur="1200">
         <p14:prism/>
       </p:transition>
     </mc:Choice>
-    <mc:Fallback>
+    <mc:Fallback xmlns="">
       <p:transition spd="slow">
         <p:fade/>
       </p:transition>
@@ -15643,9 +15647,10 @@
           <a:bodyPr rtlCol="0"/>
           <a:lstStyle/>
           <a:p>
+            <a:pPr rtl="0"/>
             <a:r>
               <a:rPr lang="pl-PL" dirty="0"/>
-              <a:t>Piątek, 17 grudnia 2022</a:t>
+              <a:t>Piątek, 16 grudnia 2022</a:t>
             </a:r>
           </a:p>
         </p:txBody>
@@ -15696,13 +15701,13 @@
   <p:clrMapOvr>
     <a:masterClrMapping/>
   </p:clrMapOvr>
-  <mc:AlternateContent xmlns:mc="http://schemas.openxmlformats.org/markup-compatibility/2006">
-    <mc:Choice xmlns:p14="http://schemas.microsoft.com/office/powerpoint/2010/main" Requires="p14">
+  <mc:AlternateContent xmlns:mc="http://schemas.openxmlformats.org/markup-compatibility/2006" xmlns:p14="http://schemas.microsoft.com/office/powerpoint/2010/main">
+    <mc:Choice Requires="p14">
       <p:transition spd="slow" p14:dur="1200">
         <p14:prism/>
       </p:transition>
     </mc:Choice>
-    <mc:Fallback>
+    <mc:Fallback xmlns="">
       <p:transition spd="slow">
         <p:fade/>
       </p:transition>
@@ -17009,7 +17014,7 @@
             <a:pPr rtl="0"/>
             <a:r>
               <a:rPr lang="pl-PL" dirty="0"/>
-              <a:t>Piątek, 17 grudnia 2022</a:t>
+              <a:t>Piątek, 16 grudnia 2022</a:t>
             </a:r>
           </a:p>
         </p:txBody>
@@ -17054,13 +17059,13 @@
   <p:clrMapOvr>
     <a:masterClrMapping/>
   </p:clrMapOvr>
-  <mc:AlternateContent xmlns:mc="http://schemas.openxmlformats.org/markup-compatibility/2006">
-    <mc:Choice xmlns:p14="http://schemas.microsoft.com/office/powerpoint/2010/main" Requires="p14">
+  <mc:AlternateContent xmlns:mc="http://schemas.openxmlformats.org/markup-compatibility/2006" xmlns:p14="http://schemas.microsoft.com/office/powerpoint/2010/main">
+    <mc:Choice Requires="p14">
       <p:transition spd="slow" p14:dur="1200">
         <p14:prism/>
       </p:transition>
     </mc:Choice>
-    <mc:Fallback>
+    <mc:Fallback xmlns="">
       <p:transition spd="slow">
         <p:fade/>
       </p:transition>
@@ -17149,7 +17154,7 @@
             <a:pPr rtl="0"/>
             <a:r>
               <a:rPr lang="pl-PL" dirty="0"/>
-              <a:t>Piątek, 17 grudnia 2022</a:t>
+              <a:t>Piątek, 16 grudnia 2022</a:t>
             </a:r>
           </a:p>
         </p:txBody>
@@ -17233,13 +17238,13 @@
   <p:clrMapOvr>
     <a:masterClrMapping/>
   </p:clrMapOvr>
-  <mc:AlternateContent xmlns:mc="http://schemas.openxmlformats.org/markup-compatibility/2006">
-    <mc:Choice xmlns:p14="http://schemas.microsoft.com/office/powerpoint/2010/main" Requires="p14">
+  <mc:AlternateContent xmlns:mc="http://schemas.openxmlformats.org/markup-compatibility/2006" xmlns:p14="http://schemas.microsoft.com/office/powerpoint/2010/main">
+    <mc:Choice Requires="p14">
       <p:transition spd="slow" p14:dur="1200">
         <p14:prism/>
       </p:transition>
     </mc:Choice>
-    <mc:Fallback>
+    <mc:Fallback xmlns="">
       <p:transition spd="slow">
         <p:fade/>
       </p:transition>
@@ -17463,7 +17468,7 @@
             <a:pPr rtl="0"/>
             <a:r>
               <a:rPr lang="pl-PL" dirty="0"/>
-              <a:t>Piątek, 17 grudnia 2022</a:t>
+              <a:t>Piątek, 16 grudnia 2022</a:t>
             </a:r>
           </a:p>
         </p:txBody>
@@ -17547,13 +17552,13 @@
   <p:clrMapOvr>
     <a:masterClrMapping/>
   </p:clrMapOvr>
-  <mc:AlternateContent xmlns:mc="http://schemas.openxmlformats.org/markup-compatibility/2006">
-    <mc:Choice xmlns:p14="http://schemas.microsoft.com/office/powerpoint/2010/main" Requires="p14">
+  <mc:AlternateContent xmlns:mc="http://schemas.openxmlformats.org/markup-compatibility/2006" xmlns:p14="http://schemas.microsoft.com/office/powerpoint/2010/main">
+    <mc:Choice Requires="p14">
       <p:transition spd="slow" p14:dur="1200">
         <p14:prism/>
       </p:transition>
     </mc:Choice>
-    <mc:Fallback>
+    <mc:Fallback xmlns="">
       <p:transition spd="slow">
         <p:fade/>
       </p:transition>
@@ -17777,7 +17782,7 @@
             <a:pPr rtl="0"/>
             <a:r>
               <a:rPr lang="pl-PL" dirty="0"/>
-              <a:t>Piątek, 17 grudnia 2022</a:t>
+              <a:t>Piątek, 16 grudnia 2022</a:t>
             </a:r>
           </a:p>
         </p:txBody>
@@ -17861,13 +17866,13 @@
   <p:clrMapOvr>
     <a:masterClrMapping/>
   </p:clrMapOvr>
-  <mc:AlternateContent xmlns:mc="http://schemas.openxmlformats.org/markup-compatibility/2006">
-    <mc:Choice xmlns:p14="http://schemas.microsoft.com/office/powerpoint/2010/main" Requires="p14">
+  <mc:AlternateContent xmlns:mc="http://schemas.openxmlformats.org/markup-compatibility/2006" xmlns:p14="http://schemas.microsoft.com/office/powerpoint/2010/main">
+    <mc:Choice Requires="p14">
       <p:transition spd="slow" p14:dur="1200">
         <p14:prism/>
       </p:transition>
     </mc:Choice>
-    <mc:Fallback>
+    <mc:Fallback xmlns="">
       <p:transition spd="slow">
         <p:fade/>
       </p:transition>
@@ -18091,7 +18096,7 @@
             <a:pPr rtl="0"/>
             <a:r>
               <a:rPr lang="pl-PL" dirty="0"/>
-              <a:t>Piątek, 17 grudnia 2022</a:t>
+              <a:t>Piątek, 16 grudnia 2022</a:t>
             </a:r>
           </a:p>
         </p:txBody>
@@ -18175,13 +18180,13 @@
   <p:clrMapOvr>
     <a:masterClrMapping/>
   </p:clrMapOvr>
-  <mc:AlternateContent xmlns:mc="http://schemas.openxmlformats.org/markup-compatibility/2006">
-    <mc:Choice xmlns:p14="http://schemas.microsoft.com/office/powerpoint/2010/main" Requires="p14">
+  <mc:AlternateContent xmlns:mc="http://schemas.openxmlformats.org/markup-compatibility/2006" xmlns:p14="http://schemas.microsoft.com/office/powerpoint/2010/main">
+    <mc:Choice Requires="p14">
       <p:transition spd="slow" p14:dur="1200">
         <p14:prism/>
       </p:transition>
     </mc:Choice>
-    <mc:Fallback>
+    <mc:Fallback xmlns="">
       <p:transition spd="slow">
         <p:fade/>
       </p:transition>
@@ -18571,9 +18576,10 @@
           <a:bodyPr rtlCol="0"/>
           <a:lstStyle/>
           <a:p>
+            <a:pPr rtl="0"/>
             <a:r>
               <a:rPr lang="pl-PL" dirty="0"/>
-              <a:t>Piątek, 17 grudnia 2022</a:t>
+              <a:t>Piątek, 16 grudnia 2022</a:t>
             </a:r>
           </a:p>
         </p:txBody>
@@ -18624,13 +18630,13 @@
   <p:clrMapOvr>
     <a:masterClrMapping/>
   </p:clrMapOvr>
-  <mc:AlternateContent xmlns:mc="http://schemas.openxmlformats.org/markup-compatibility/2006">
-    <mc:Choice xmlns:p14="http://schemas.microsoft.com/office/powerpoint/2010/main" Requires="p14">
+  <mc:AlternateContent xmlns:mc="http://schemas.openxmlformats.org/markup-compatibility/2006" xmlns:p14="http://schemas.microsoft.com/office/powerpoint/2010/main">
+    <mc:Choice Requires="p14">
       <p:transition spd="slow" p14:dur="1200">
         <p14:prism/>
       </p:transition>
     </mc:Choice>
-    <mc:Fallback>
+    <mc:Fallback xmlns="">
       <p:transition spd="slow">
         <p:fade/>
       </p:transition>
@@ -19296,13 +19302,13 @@
   <p:clrMapOvr>
     <a:masterClrMapping/>
   </p:clrMapOvr>
-  <mc:AlternateContent xmlns:mc="http://schemas.openxmlformats.org/markup-compatibility/2006">
-    <mc:Choice xmlns:p14="http://schemas.microsoft.com/office/powerpoint/2010/main" Requires="p14">
+  <mc:AlternateContent xmlns:mc="http://schemas.openxmlformats.org/markup-compatibility/2006" xmlns:p14="http://schemas.microsoft.com/office/powerpoint/2010/main">
+    <mc:Choice Requires="p14">
       <p:transition spd="slow" p14:dur="1200">
         <p14:prism/>
       </p:transition>
     </mc:Choice>
-    <mc:Fallback>
+    <mc:Fallback xmlns="">
       <p:transition spd="slow">
         <p:fade/>
       </p:transition>
@@ -19526,7 +19532,7 @@
             <a:pPr rtl="0"/>
             <a:r>
               <a:rPr lang="pl-PL" dirty="0"/>
-              <a:t>Piątek, 17 grudnia 2022</a:t>
+              <a:t>Piątek, 16 grudnia 2022</a:t>
             </a:r>
           </a:p>
         </p:txBody>
@@ -19610,13 +19616,13 @@
   <p:clrMapOvr>
     <a:masterClrMapping/>
   </p:clrMapOvr>
-  <mc:AlternateContent xmlns:mc="http://schemas.openxmlformats.org/markup-compatibility/2006">
-    <mc:Choice xmlns:p14="http://schemas.microsoft.com/office/powerpoint/2010/main" Requires="p14">
+  <mc:AlternateContent xmlns:mc="http://schemas.openxmlformats.org/markup-compatibility/2006" xmlns:p14="http://schemas.microsoft.com/office/powerpoint/2010/main">
+    <mc:Choice Requires="p14">
       <p:transition spd="slow" p14:dur="1200">
         <p14:prism/>
       </p:transition>
     </mc:Choice>
-    <mc:Fallback>
+    <mc:Fallback xmlns="">
       <p:transition spd="slow">
         <p:fade/>
       </p:transition>
@@ -19806,15 +19812,7 @@
             <a:pPr rtl="0"/>
             <a:r>
               <a:rPr lang="pl-PL" dirty="0"/>
-              <a:t>7. </a:t>
-            </a:r>
-            <a:r>
-              <a:rPr lang="pl-PL" dirty="0" err="1"/>
-              <a:t>Kontkat</a:t>
-            </a:r>
-            <a:r>
-              <a:rPr lang="pl-PL" dirty="0"/>
-              <a:t> z firmą</a:t>
+              <a:t>7. Kontakt z firmą</a:t>
             </a:r>
           </a:p>
         </p:txBody>
@@ -19848,7 +19846,7 @@
             <a:pPr rtl="0"/>
             <a:r>
               <a:rPr lang="pl-PL" dirty="0"/>
-              <a:t>Piątek, 17 grudnia 2022</a:t>
+              <a:t>Piątek, 16 grudnia 2022</a:t>
             </a:r>
           </a:p>
         </p:txBody>
@@ -19932,13 +19930,13 @@
   <p:clrMapOvr>
     <a:masterClrMapping/>
   </p:clrMapOvr>
-  <mc:AlternateContent xmlns:mc="http://schemas.openxmlformats.org/markup-compatibility/2006">
-    <mc:Choice xmlns:p14="http://schemas.microsoft.com/office/powerpoint/2010/main" Requires="p14">
+  <mc:AlternateContent xmlns:mc="http://schemas.openxmlformats.org/markup-compatibility/2006" xmlns:p14="http://schemas.microsoft.com/office/powerpoint/2010/main">
+    <mc:Choice Requires="p14">
       <p:transition spd="slow" p14:dur="1200">
         <p14:prism/>
       </p:transition>
     </mc:Choice>
-    <mc:Fallback>
+    <mc:Fallback xmlns="">
       <p:transition spd="slow">
         <p:fade/>
       </p:transition>
@@ -20232,7 +20230,7 @@
             <a:pPr rtl="0"/>
             <a:r>
               <a:rPr lang="pl-PL" dirty="0"/>
-              <a:t>Piątek, 17 grudnia 2022</a:t>
+              <a:t>Piątek, 16 grudnia 2022</a:t>
             </a:r>
           </a:p>
         </p:txBody>
@@ -20283,13 +20281,13 @@
   <p:clrMapOvr>
     <a:masterClrMapping/>
   </p:clrMapOvr>
-  <mc:AlternateContent xmlns:mc="http://schemas.openxmlformats.org/markup-compatibility/2006">
-    <mc:Choice xmlns:p14="http://schemas.microsoft.com/office/powerpoint/2010/main" Requires="p14">
+  <mc:AlternateContent xmlns:mc="http://schemas.openxmlformats.org/markup-compatibility/2006" xmlns:p14="http://schemas.microsoft.com/office/powerpoint/2010/main">
+    <mc:Choice Requires="p14">
       <p:transition spd="slow" p14:dur="1200">
         <p14:prism/>
       </p:transition>
     </mc:Choice>
-    <mc:Fallback>
+    <mc:Fallback xmlns="">
       <p:transition spd="slow">
         <p:fade/>
       </p:transition>
@@ -20600,42 +20598,8 @@
           <a:p>
             <a:pPr rtl="0"/>
             <a:r>
-              <a:rPr lang="pl-PL"/>
-              <a:t>Wtorek, 2 lutego 20XX</a:t>
-            </a:r>
-          </a:p>
-        </p:txBody>
-      </p:sp>
-      <p:sp>
-        <p:nvSpPr>
-          <p:cNvPr id="5" name="Stopka — symbol zastępczy 4">
-            <a:extLst>
-              <a:ext uri="{FF2B5EF4-FFF2-40B4-BE49-F238E27FC236}">
-                <a16:creationId xmlns:a16="http://schemas.microsoft.com/office/drawing/2014/main" id="{0B37A3FF-ED32-4C4A-A21F-848A3BF6F896}"/>
-              </a:ext>
-            </a:extLst>
-          </p:cNvPr>
-          <p:cNvSpPr>
-            <a:spLocks noGrp="1"/>
-          </p:cNvSpPr>
-          <p:nvPr>
-            <p:ph type="ftr" sz="quarter" idx="11"/>
-          </p:nvPr>
-        </p:nvSpPr>
-        <p:spPr>
-          <a:xfrm>
-            <a:off x="3359150" y="6507212"/>
-            <a:ext cx="6379210" cy="153888"/>
-          </a:xfrm>
-        </p:spPr>
-        <p:txBody>
-          <a:bodyPr rtlCol="0"/>
-          <a:lstStyle/>
-          <a:p>
-            <a:pPr rtl="0"/>
-            <a:r>
-              <a:rPr lang="pl-PL"/>
-              <a:t>Przykładowy tekst stopki</a:t>
+              <a:rPr lang="pl-PL" dirty="0"/>
+              <a:t>Piątek, 16 grudnia 2022</a:t>
             </a:r>
           </a:p>
         </p:txBody>
@@ -20686,13 +20650,13 @@
   <p:clrMapOvr>
     <a:masterClrMapping/>
   </p:clrMapOvr>
-  <mc:AlternateContent xmlns:mc="http://schemas.openxmlformats.org/markup-compatibility/2006">
-    <mc:Choice xmlns:p14="http://schemas.microsoft.com/office/powerpoint/2010/main" Requires="p14">
+  <mc:AlternateContent xmlns:mc="http://schemas.openxmlformats.org/markup-compatibility/2006" xmlns:p14="http://schemas.microsoft.com/office/powerpoint/2010/main">
+    <mc:Choice Requires="p14">
       <p:transition spd="slow" p14:dur="1200">
         <p14:prism/>
       </p:transition>
     </mc:Choice>
-    <mc:Fallback>
+    <mc:Fallback xmlns="">
       <p:transition spd="slow">
         <p:fade/>
       </p:transition>
@@ -21856,7 +21820,7 @@
             <a:pPr rtl="0"/>
             <a:r>
               <a:rPr lang="pl-PL" dirty="0"/>
-              <a:t>Piątek, 17 grudnia 2022</a:t>
+              <a:t>Piątek, 16 grudnia 2022</a:t>
             </a:r>
           </a:p>
         </p:txBody>
@@ -21901,13 +21865,13 @@
   <p:clrMapOvr>
     <a:masterClrMapping/>
   </p:clrMapOvr>
-  <mc:AlternateContent xmlns:mc="http://schemas.openxmlformats.org/markup-compatibility/2006">
-    <mc:Choice xmlns:p14="http://schemas.microsoft.com/office/powerpoint/2010/main" Requires="p14">
+  <mc:AlternateContent xmlns:mc="http://schemas.openxmlformats.org/markup-compatibility/2006" xmlns:p14="http://schemas.microsoft.com/office/powerpoint/2010/main">
+    <mc:Choice Requires="p14">
       <p:transition spd="slow" p14:dur="1200">
         <p14:prism/>
       </p:transition>
     </mc:Choice>
-    <mc:Fallback>
+    <mc:Fallback xmlns="">
       <p:transition spd="slow">
         <p:fade/>
       </p:transition>
@@ -22143,9 +22107,10 @@
           <a:bodyPr rtlCol="0"/>
           <a:lstStyle/>
           <a:p>
+            <a:pPr rtl="0"/>
             <a:r>
               <a:rPr lang="pl-PL" dirty="0"/>
-              <a:t>Piątek, 17 grudnia 2022</a:t>
+              <a:t>Piątek, 16 grudnia 2022</a:t>
             </a:r>
           </a:p>
         </p:txBody>
@@ -22256,13 +22221,13 @@
   <p:clrMapOvr>
     <a:masterClrMapping/>
   </p:clrMapOvr>
-  <mc:AlternateContent xmlns:mc="http://schemas.openxmlformats.org/markup-compatibility/2006">
-    <mc:Choice xmlns:p14="http://schemas.microsoft.com/office/powerpoint/2010/main" Requires="p14">
+  <mc:AlternateContent xmlns:mc="http://schemas.openxmlformats.org/markup-compatibility/2006" xmlns:p14="http://schemas.microsoft.com/office/powerpoint/2010/main">
+    <mc:Choice Requires="p14">
       <p:transition spd="slow" p14:dur="1200">
         <p14:prism/>
       </p:transition>
     </mc:Choice>
-    <mc:Fallback>
+    <mc:Fallback xmlns="">
       <p:transition spd="slow">
         <p:fade/>
       </p:transition>
@@ -23090,9 +23055,10 @@
           <a:bodyPr rtlCol="0"/>
           <a:lstStyle/>
           <a:p>
+            <a:pPr rtl="0"/>
             <a:r>
               <a:rPr lang="pl-PL" dirty="0"/>
-              <a:t>Piątek, 17 grudnia 2022</a:t>
+              <a:t>Piątek, 16 grudnia 2022</a:t>
             </a:r>
           </a:p>
         </p:txBody>
@@ -23222,13 +23188,13 @@
   <p:clrMapOvr>
     <a:masterClrMapping/>
   </p:clrMapOvr>
-  <mc:AlternateContent xmlns:mc="http://schemas.openxmlformats.org/markup-compatibility/2006">
-    <mc:Choice xmlns:p14="http://schemas.microsoft.com/office/powerpoint/2010/main" Requires="p14">
+  <mc:AlternateContent xmlns:mc="http://schemas.openxmlformats.org/markup-compatibility/2006" xmlns:p14="http://schemas.microsoft.com/office/powerpoint/2010/main">
+    <mc:Choice Requires="p14">
       <p:transition spd="slow" p14:dur="1200">
         <p14:prism/>
       </p:transition>
     </mc:Choice>
-    <mc:Fallback>
+    <mc:Fallback xmlns="">
       <p:transition spd="slow">
         <p:fade/>
       </p:transition>
@@ -23462,9 +23428,10 @@
           <a:bodyPr rtlCol="0"/>
           <a:lstStyle/>
           <a:p>
+            <a:pPr rtl="0"/>
             <a:r>
               <a:rPr lang="pl-PL" dirty="0"/>
-              <a:t>Piątek, 17 grudnia 2022</a:t>
+              <a:t>Piątek, 16 grudnia 2022</a:t>
             </a:r>
           </a:p>
         </p:txBody>
@@ -23656,13 +23623,13 @@
   <p:clrMapOvr>
     <a:masterClrMapping/>
   </p:clrMapOvr>
-  <mc:AlternateContent xmlns:mc="http://schemas.openxmlformats.org/markup-compatibility/2006">
-    <mc:Choice xmlns:p14="http://schemas.microsoft.com/office/powerpoint/2010/main" Requires="p14">
+  <mc:AlternateContent xmlns:mc="http://schemas.openxmlformats.org/markup-compatibility/2006" xmlns:p14="http://schemas.microsoft.com/office/powerpoint/2010/main">
+    <mc:Choice Requires="p14">
       <p:transition spd="slow" p14:dur="1200">
         <p14:prism/>
       </p:transition>
     </mc:Choice>
-    <mc:Fallback>
+    <mc:Fallback xmlns="">
       <p:transition spd="slow">
         <p:fade/>
       </p:transition>
@@ -25046,7 +25013,7 @@
             <a:pPr rtl="0"/>
             <a:r>
               <a:rPr lang="pl-PL" dirty="0"/>
-              <a:t>Piątek, 17 grudnia 2022</a:t>
+              <a:t>Piątek, 16 grudnia 2022</a:t>
             </a:r>
           </a:p>
         </p:txBody>
@@ -25091,13 +25058,13 @@
   <p:clrMapOvr>
     <a:masterClrMapping/>
   </p:clrMapOvr>
-  <mc:AlternateContent xmlns:mc="http://schemas.openxmlformats.org/markup-compatibility/2006">
-    <mc:Choice xmlns:p14="http://schemas.microsoft.com/office/powerpoint/2010/main" Requires="p14">
+  <mc:AlternateContent xmlns:mc="http://schemas.openxmlformats.org/markup-compatibility/2006" xmlns:p14="http://schemas.microsoft.com/office/powerpoint/2010/main">
+    <mc:Choice Requires="p14">
       <p:transition spd="slow" p14:dur="1200">
         <p14:prism/>
       </p:transition>
     </mc:Choice>
-    <mc:Fallback>
+    <mc:Fallback xmlns="">
       <p:transition spd="slow">
         <p:fade/>
       </p:transition>
@@ -25183,9 +25150,10 @@
           <a:bodyPr rtlCol="0"/>
           <a:lstStyle/>
           <a:p>
+            <a:pPr rtl="0"/>
             <a:r>
               <a:rPr lang="pl-PL" dirty="0"/>
-              <a:t>Piątek, 17 grudnia 2022</a:t>
+              <a:t>Piątek, 16 grudnia 2022</a:t>
             </a:r>
           </a:p>
         </p:txBody>
@@ -25322,13 +25290,13 @@
   <p:clrMapOvr>
     <a:masterClrMapping/>
   </p:clrMapOvr>
-  <mc:AlternateContent xmlns:mc="http://schemas.openxmlformats.org/markup-compatibility/2006">
-    <mc:Choice xmlns:p14="http://schemas.microsoft.com/office/powerpoint/2010/main" Requires="p14">
+  <mc:AlternateContent xmlns:mc="http://schemas.openxmlformats.org/markup-compatibility/2006" xmlns:p14="http://schemas.microsoft.com/office/powerpoint/2010/main">
+    <mc:Choice Requires="p14">
       <p:transition spd="slow" p14:dur="1200">
         <p14:prism/>
       </p:transition>
     </mc:Choice>
-    <mc:Fallback>
+    <mc:Fallback xmlns="">
       <p:transition spd="slow">
         <p:fade/>
       </p:transition>
@@ -25623,9 +25591,10 @@
           <a:bodyPr rtlCol="0"/>
           <a:lstStyle/>
           <a:p>
+            <a:pPr rtl="0"/>
             <a:r>
               <a:rPr lang="pl-PL" dirty="0"/>
-              <a:t>Piątek, 17 grudnia 2022</a:t>
+              <a:t>Piątek, 16 grudnia 2022</a:t>
             </a:r>
           </a:p>
         </p:txBody>
@@ -25676,13 +25645,13 @@
   <p:clrMapOvr>
     <a:masterClrMapping/>
   </p:clrMapOvr>
-  <mc:AlternateContent xmlns:mc="http://schemas.openxmlformats.org/markup-compatibility/2006">
-    <mc:Choice xmlns:p14="http://schemas.microsoft.com/office/powerpoint/2010/main" Requires="p14">
+  <mc:AlternateContent xmlns:mc="http://schemas.openxmlformats.org/markup-compatibility/2006" xmlns:p14="http://schemas.microsoft.com/office/powerpoint/2010/main">
+    <mc:Choice Requires="p14">
       <p:transition spd="slow" p14:dur="1200">
         <p14:prism/>
       </p:transition>
     </mc:Choice>
-    <mc:Fallback>
+    <mc:Fallback xmlns="">
       <p:transition spd="slow">
         <p:fade/>
       </p:transition>

--- a/dokumentacja/Pawelek_Waszkiewicz_prezentacja.pptx
+++ b/dokumentacja/Pawelek_Waszkiewicz_prezentacja.pptx
@@ -251,7 +251,7 @@
             <a:pPr rtl="0"/>
             <a:fld id="{3D4C38CF-67C2-4088-A2AD-522FD06E4E9F}" type="datetime1">
               <a:rPr lang="pl-PL" smtClean="0"/>
-              <a:t>16.12.2022</a:t>
+              <a:t>22.12.2022</a:t>
             </a:fld>
             <a:endParaRPr lang="pl-PL"/>
           </a:p>
@@ -433,7 +433,7 @@
             <a:pPr rtl="0"/>
             <a:fld id="{EBFB94E0-1F98-4426-9482-6C6FD17970C3}" type="datetime1">
               <a:rPr lang="pl-PL" smtClean="0"/>
-              <a:t>16.12.2022</a:t>
+              <a:t>22.12.2022</a:t>
             </a:fld>
             <a:endParaRPr lang="pl-PL"/>
           </a:p>
@@ -801,7 +801,7 @@
             <a:pPr rtl="0"/>
             <a:fld id="{68DDCB5A-8DF3-4145-9175-339BBE145B1B}" type="datetime1">
               <a:rPr lang="pl-PL" smtClean="0"/>
-              <a:t>16.12.2022</a:t>
+              <a:t>22.12.2022</a:t>
             </a:fld>
             <a:endParaRPr lang="pl-PL"/>
           </a:p>
@@ -917,7 +917,7 @@
             <a:pPr rtl="0"/>
             <a:fld id="{B65CB970-E35C-4CF5-95DE-0955C0BD62D9}" type="datetime1">
               <a:rPr lang="pl-PL" smtClean="0"/>
-              <a:t>16.12.2022</a:t>
+              <a:t>22.12.2022</a:t>
             </a:fld>
             <a:endParaRPr lang="pl-PL"/>
           </a:p>
@@ -1033,7 +1033,7 @@
             <a:pPr rtl="0"/>
             <a:fld id="{0A1D9C8C-C657-40A7-B3BC-81AB0E04CBBF}" type="datetime1">
               <a:rPr lang="pl-PL" smtClean="0"/>
-              <a:t>16.12.2022</a:t>
+              <a:t>22.12.2022</a:t>
             </a:fld>
             <a:endParaRPr lang="pl-PL"/>
           </a:p>
@@ -1149,7 +1149,7 @@
             <a:pPr rtl="0"/>
             <a:fld id="{725DCC78-8463-444F-A0CF-2EABB296C18C}" type="datetime1">
               <a:rPr lang="pl-PL" smtClean="0"/>
-              <a:t>16.12.2022</a:t>
+              <a:t>22.12.2022</a:t>
             </a:fld>
             <a:endParaRPr lang="pl-PL"/>
           </a:p>
@@ -1265,7 +1265,7 @@
             <a:pPr rtl="0"/>
             <a:fld id="{B65CB970-E35C-4CF5-95DE-0955C0BD62D9}" type="datetime1">
               <a:rPr lang="pl-PL" smtClean="0"/>
-              <a:t>16.12.2022</a:t>
+              <a:t>22.12.2022</a:t>
             </a:fld>
             <a:endParaRPr lang="pl-PL"/>
           </a:p>
@@ -1381,7 +1381,7 @@
             <a:pPr rtl="0"/>
             <a:fld id="{B65CB970-E35C-4CF5-95DE-0955C0BD62D9}" type="datetime1">
               <a:rPr lang="pl-PL" smtClean="0"/>
-              <a:t>16.12.2022</a:t>
+              <a:t>22.12.2022</a:t>
             </a:fld>
             <a:endParaRPr lang="pl-PL"/>
           </a:p>
@@ -1497,7 +1497,7 @@
             <a:pPr rtl="0"/>
             <a:fld id="{9509B6E6-3E65-49C0-94CE-1A750F0F84E8}" type="datetime1">
               <a:rPr lang="pl-PL" smtClean="0"/>
-              <a:t>16.12.2022</a:t>
+              <a:t>22.12.2022</a:t>
             </a:fld>
             <a:endParaRPr lang="pl-PL"/>
           </a:p>
@@ -17197,11 +17197,11 @@
       </p:sp>
       <p:pic>
         <p:nvPicPr>
-          <p:cNvPr id="3" name="Multimedia online 2" title="Index introduction">
+          <p:cNvPr id="2" name="Multimedia online 1" title="Index intro">
             <a:hlinkClick r:id="" action="ppaction://media"/>
             <a:extLst>
               <a:ext uri="{FF2B5EF4-FFF2-40B4-BE49-F238E27FC236}">
-                <a16:creationId xmlns:a16="http://schemas.microsoft.com/office/drawing/2014/main" id="{37BAE0D1-84E1-478A-86AD-019AC5F21D4A}"/>
+                <a16:creationId xmlns:a16="http://schemas.microsoft.com/office/drawing/2014/main" id="{A3DC40A8-37A5-0E58-ACD4-8988D7AC9257}"/>
               </a:ext>
             </a:extLst>
           </p:cNvPr>
@@ -17220,8 +17220,8 @@
         </p:blipFill>
         <p:spPr>
           <a:xfrm>
-            <a:off x="2181938" y="1474776"/>
-            <a:ext cx="7828124" cy="4422890"/>
+            <a:off x="2180602" y="1465454"/>
+            <a:ext cx="7830796" cy="4424400"/>
           </a:xfrm>
           <a:prstGeom prst="rect">
             <a:avLst/>
@@ -17232,6 +17232,634 @@
     <p:extLst>
       <p:ext uri="{BB962C8B-B14F-4D97-AF65-F5344CB8AC3E}">
         <p14:creationId xmlns:p14="http://schemas.microsoft.com/office/powerpoint/2010/main" val="2328993768"/>
+      </p:ext>
+    </p:extLst>
+  </p:cSld>
+  <p:clrMapOvr>
+    <a:masterClrMapping/>
+  </p:clrMapOvr>
+  <mc:AlternateContent xmlns:mc="http://schemas.openxmlformats.org/markup-compatibility/2006" xmlns:p14="http://schemas.microsoft.com/office/powerpoint/2010/main">
+    <mc:Choice Requires="p14">
+      <p:transition spd="slow" p14:dur="1200">
+        <p14:prism/>
+      </p:transition>
+    </mc:Choice>
+    <mc:Fallback xmlns="">
+      <p:transition spd="slow">
+        <p:fade/>
+      </p:transition>
+    </mc:Fallback>
+  </mc:AlternateContent>
+  <p:timing>
+    <p:tnLst>
+      <p:par>
+        <p:cTn id="1" dur="indefinite" restart="never" nodeType="tmRoot">
+          <p:childTnLst>
+            <p:seq concurrent="1" nextAc="seek">
+              <p:cTn id="2" dur="indefinite" nodeType="mainSeq">
+                <p:childTnLst>
+                  <p:par>
+                    <p:cTn id="3" fill="hold">
+                      <p:stCondLst>
+                        <p:cond delay="indefinite"/>
+                      </p:stCondLst>
+                      <p:childTnLst>
+                        <p:par>
+                          <p:cTn id="4" fill="hold">
+                            <p:stCondLst>
+                              <p:cond delay="0"/>
+                            </p:stCondLst>
+                            <p:childTnLst>
+                              <p:par>
+                                <p:cTn id="5" presetID="1" presetClass="mediacall" presetSubtype="0" fill="hold" nodeType="clickEffect">
+                                  <p:stCondLst>
+                                    <p:cond delay="0"/>
+                                  </p:stCondLst>
+                                  <p:childTnLst>
+                                    <p:cmd type="call" cmd="playFrom(0.0)">
+                                      <p:cBhvr>
+                                        <p:cTn id="6" dur="1" fill="hold"/>
+                                        <p:tgtEl>
+                                          <p:spTgt spid="2"/>
+                                        </p:tgtEl>
+                                      </p:cBhvr>
+                                    </p:cmd>
+                                  </p:childTnLst>
+                                </p:cTn>
+                              </p:par>
+                            </p:childTnLst>
+                          </p:cTn>
+                        </p:par>
+                      </p:childTnLst>
+                    </p:cTn>
+                  </p:par>
+                </p:childTnLst>
+              </p:cTn>
+              <p:prevCondLst>
+                <p:cond evt="onPrev" delay="0">
+                  <p:tgtEl>
+                    <p:sldTgt/>
+                  </p:tgtEl>
+                </p:cond>
+              </p:prevCondLst>
+              <p:nextCondLst>
+                <p:cond evt="onNext" delay="0">
+                  <p:tgtEl>
+                    <p:sldTgt/>
+                  </p:tgtEl>
+                </p:cond>
+              </p:nextCondLst>
+            </p:seq>
+            <p:video>
+              <p:cMediaNode vol="80000">
+                <p:cTn id="7" fill="hold" display="0">
+                  <p:stCondLst>
+                    <p:cond delay="indefinite"/>
+                  </p:stCondLst>
+                </p:cTn>
+                <p:tgtEl>
+                  <p:spTgt spid="2"/>
+                </p:tgtEl>
+              </p:cMediaNode>
+            </p:video>
+            <p:seq concurrent="1" nextAc="seek">
+              <p:cTn id="8" restart="whenNotActive" fill="hold" evtFilter="cancelBubble" nodeType="interactiveSeq">
+                <p:stCondLst>
+                  <p:cond evt="onClick" delay="0">
+                    <p:tgtEl>
+                      <p:spTgt spid="2"/>
+                    </p:tgtEl>
+                  </p:cond>
+                </p:stCondLst>
+                <p:endSync evt="end" delay="0">
+                  <p:rtn val="all"/>
+                </p:endSync>
+                <p:childTnLst>
+                  <p:par>
+                    <p:cTn id="9" fill="hold">
+                      <p:stCondLst>
+                        <p:cond delay="0"/>
+                      </p:stCondLst>
+                      <p:childTnLst>
+                        <p:par>
+                          <p:cTn id="10" fill="hold">
+                            <p:stCondLst>
+                              <p:cond delay="0"/>
+                            </p:stCondLst>
+                            <p:childTnLst>
+                              <p:par>
+                                <p:cTn id="11" presetID="2" presetClass="mediacall" presetSubtype="0" fill="hold" nodeType="clickEffect">
+                                  <p:stCondLst>
+                                    <p:cond delay="0"/>
+                                  </p:stCondLst>
+                                  <p:childTnLst>
+                                    <p:cmd type="call" cmd="togglePause">
+                                      <p:cBhvr>
+                                        <p:cTn id="12" dur="1" fill="hold"/>
+                                        <p:tgtEl>
+                                          <p:spTgt spid="2"/>
+                                        </p:tgtEl>
+                                      </p:cBhvr>
+                                    </p:cmd>
+                                  </p:childTnLst>
+                                </p:cTn>
+                              </p:par>
+                            </p:childTnLst>
+                          </p:cTn>
+                        </p:par>
+                      </p:childTnLst>
+                    </p:cTn>
+                  </p:par>
+                </p:childTnLst>
+              </p:cTn>
+              <p:nextCondLst>
+                <p:cond evt="onClick" delay="0">
+                  <p:tgtEl>
+                    <p:spTgt spid="2"/>
+                  </p:tgtEl>
+                </p:cond>
+              </p:nextCondLst>
+            </p:seq>
+          </p:childTnLst>
+        </p:cTn>
+      </p:par>
+    </p:tnLst>
+  </p:timing>
+</p:sld>
+</file>
+
+<file path=ppt/slides/slide17.xml><?xml version="1.0" encoding="utf-8"?>
+<p:sld xmlns:a="http://schemas.openxmlformats.org/drawingml/2006/main" xmlns:r="http://schemas.openxmlformats.org/officeDocument/2006/relationships" xmlns:p="http://schemas.openxmlformats.org/presentationml/2006/main">
+  <p:cSld>
+    <p:spTree>
+      <p:nvGrpSpPr>
+        <p:cNvPr id="1" name=""/>
+        <p:cNvGrpSpPr/>
+        <p:nvPr/>
+      </p:nvGrpSpPr>
+      <p:grpSpPr>
+        <a:xfrm>
+          <a:off x="0" y="0"/>
+          <a:ext cx="0" cy="0"/>
+          <a:chOff x="0" y="0"/>
+          <a:chExt cx="0" cy="0"/>
+        </a:xfrm>
+      </p:grpSpPr>
+      <p:sp>
+        <p:nvSpPr>
+          <p:cNvPr id="7" name="Tytuł 6">
+            <a:extLst>
+              <a:ext uri="{FF2B5EF4-FFF2-40B4-BE49-F238E27FC236}">
+                <a16:creationId xmlns:a16="http://schemas.microsoft.com/office/drawing/2014/main" id="{3E174092-82D3-44E0-8948-4096232ED0A7}"/>
+              </a:ext>
+            </a:extLst>
+          </p:cNvPr>
+          <p:cNvSpPr>
+            <a:spLocks noGrp="1"/>
+          </p:cNvSpPr>
+          <p:nvPr>
+            <p:ph type="title"/>
+          </p:nvPr>
+        </p:nvSpPr>
+        <p:spPr>
+          <a:xfrm>
+            <a:off x="550862" y="549275"/>
+            <a:ext cx="11091600" cy="1332000"/>
+          </a:xfrm>
+        </p:spPr>
+        <p:txBody>
+          <a:bodyPr rtlCol="0"/>
+          <a:lstStyle/>
+          <a:p>
+            <a:pPr rtl="0"/>
+            <a:r>
+              <a:rPr lang="pl-PL" dirty="0"/>
+              <a:t>2. Logowanie i rejestracja</a:t>
+            </a:r>
+          </a:p>
+        </p:txBody>
+      </p:sp>
+      <p:sp>
+        <p:nvSpPr>
+          <p:cNvPr id="4" name="Data — symbol zastępczy 3">
+            <a:extLst>
+              <a:ext uri="{FF2B5EF4-FFF2-40B4-BE49-F238E27FC236}">
+                <a16:creationId xmlns:a16="http://schemas.microsoft.com/office/drawing/2014/main" id="{E39EF484-38C8-4EDC-ACF5-695CFB216839}"/>
+              </a:ext>
+            </a:extLst>
+          </p:cNvPr>
+          <p:cNvSpPr>
+            <a:spLocks noGrp="1"/>
+          </p:cNvSpPr>
+          <p:nvPr>
+            <p:ph type="dt" sz="half" idx="10"/>
+          </p:nvPr>
+        </p:nvSpPr>
+        <p:spPr>
+          <a:xfrm>
+            <a:off x="550863" y="6507212"/>
+            <a:ext cx="2628900" cy="153888"/>
+          </a:xfrm>
+        </p:spPr>
+        <p:txBody>
+          <a:bodyPr rtlCol="0"/>
+          <a:lstStyle/>
+          <a:p>
+            <a:pPr rtl="0"/>
+            <a:r>
+              <a:rPr lang="pl-PL" dirty="0"/>
+              <a:t>Piątek, 16 grudnia 2022</a:t>
+            </a:r>
+          </a:p>
+        </p:txBody>
+      </p:sp>
+      <p:sp>
+        <p:nvSpPr>
+          <p:cNvPr id="6" name="Numer slajdu — symbol zastępczy 5">
+            <a:extLst>
+              <a:ext uri="{FF2B5EF4-FFF2-40B4-BE49-F238E27FC236}">
+                <a16:creationId xmlns:a16="http://schemas.microsoft.com/office/drawing/2014/main" id="{705C33DF-36C9-49E9-B48D-A320B179C4D4}"/>
+              </a:ext>
+            </a:extLst>
+          </p:cNvPr>
+          <p:cNvSpPr>
+            <a:spLocks noGrp="1"/>
+          </p:cNvSpPr>
+          <p:nvPr>
+            <p:ph type="sldNum" sz="quarter" idx="12"/>
+          </p:nvPr>
+        </p:nvSpPr>
+        <p:spPr>
+          <a:xfrm>
+            <a:off x="9948863" y="6507212"/>
+            <a:ext cx="1692274" cy="153888"/>
+          </a:xfrm>
+        </p:spPr>
+        <p:txBody>
+          <a:bodyPr rtlCol="0"/>
+          <a:lstStyle/>
+          <a:p>
+            <a:pPr rtl="0"/>
+            <a:fld id="{DBA1B0FB-D917-4C8C-928F-313BD683BF39}" type="slidenum">
+              <a:rPr lang="pl-PL" smtClean="0"/>
+              <a:pPr rtl="0"/>
+              <a:t>17</a:t>
+            </a:fld>
+            <a:endParaRPr lang="pl-PL"/>
+          </a:p>
+        </p:txBody>
+      </p:sp>
+      <p:pic>
+        <p:nvPicPr>
+          <p:cNvPr id="2" name="Multimedia online 1" title="Login">
+            <a:hlinkClick r:id="" action="ppaction://media"/>
+            <a:extLst>
+              <a:ext uri="{FF2B5EF4-FFF2-40B4-BE49-F238E27FC236}">
+                <a16:creationId xmlns:a16="http://schemas.microsoft.com/office/drawing/2014/main" id="{5EDB6131-D9E7-78B6-6A3B-9845D06E6DAC}"/>
+              </a:ext>
+            </a:extLst>
+          </p:cNvPr>
+          <p:cNvPicPr>
+            <a:picLocks noRot="1" noChangeAspect="1"/>
+          </p:cNvPicPr>
+          <p:nvPr>
+            <a:videoFile r:link="rId1"/>
+          </p:nvPr>
+        </p:nvPicPr>
+        <p:blipFill>
+          <a:blip r:embed="rId3"/>
+          <a:stretch>
+            <a:fillRect/>
+          </a:stretch>
+        </p:blipFill>
+        <p:spPr>
+          <a:xfrm>
+            <a:off x="2180602" y="1455405"/>
+            <a:ext cx="7830796" cy="4424400"/>
+          </a:xfrm>
+          <a:prstGeom prst="rect">
+            <a:avLst/>
+          </a:prstGeom>
+        </p:spPr>
+      </p:pic>
+    </p:spTree>
+    <p:extLst>
+      <p:ext uri="{BB962C8B-B14F-4D97-AF65-F5344CB8AC3E}">
+        <p14:creationId xmlns:p14="http://schemas.microsoft.com/office/powerpoint/2010/main" val="4279665904"/>
+      </p:ext>
+    </p:extLst>
+  </p:cSld>
+  <p:clrMapOvr>
+    <a:masterClrMapping/>
+  </p:clrMapOvr>
+  <mc:AlternateContent xmlns:mc="http://schemas.openxmlformats.org/markup-compatibility/2006" xmlns:p14="http://schemas.microsoft.com/office/powerpoint/2010/main">
+    <mc:Choice Requires="p14">
+      <p:transition spd="slow" p14:dur="1200">
+        <p14:prism/>
+      </p:transition>
+    </mc:Choice>
+    <mc:Fallback xmlns="">
+      <p:transition spd="slow">
+        <p:fade/>
+      </p:transition>
+    </mc:Fallback>
+  </mc:AlternateContent>
+  <p:timing>
+    <p:tnLst>
+      <p:par>
+        <p:cTn id="1" dur="indefinite" restart="never" nodeType="tmRoot">
+          <p:childTnLst>
+            <p:seq concurrent="1" nextAc="seek">
+              <p:cTn id="2" dur="indefinite" nodeType="mainSeq">
+                <p:childTnLst>
+                  <p:par>
+                    <p:cTn id="3" fill="hold">
+                      <p:stCondLst>
+                        <p:cond delay="indefinite"/>
+                      </p:stCondLst>
+                      <p:childTnLst>
+                        <p:par>
+                          <p:cTn id="4" fill="hold">
+                            <p:stCondLst>
+                              <p:cond delay="0"/>
+                            </p:stCondLst>
+                            <p:childTnLst>
+                              <p:par>
+                                <p:cTn id="5" presetID="1" presetClass="mediacall" presetSubtype="0" fill="hold" nodeType="clickEffect">
+                                  <p:stCondLst>
+                                    <p:cond delay="0"/>
+                                  </p:stCondLst>
+                                  <p:childTnLst>
+                                    <p:cmd type="call" cmd="playFrom(0.0)">
+                                      <p:cBhvr>
+                                        <p:cTn id="6" dur="1" fill="hold"/>
+                                        <p:tgtEl>
+                                          <p:spTgt spid="2"/>
+                                        </p:tgtEl>
+                                      </p:cBhvr>
+                                    </p:cmd>
+                                  </p:childTnLst>
+                                </p:cTn>
+                              </p:par>
+                            </p:childTnLst>
+                          </p:cTn>
+                        </p:par>
+                      </p:childTnLst>
+                    </p:cTn>
+                  </p:par>
+                </p:childTnLst>
+              </p:cTn>
+              <p:prevCondLst>
+                <p:cond evt="onPrev" delay="0">
+                  <p:tgtEl>
+                    <p:sldTgt/>
+                  </p:tgtEl>
+                </p:cond>
+              </p:prevCondLst>
+              <p:nextCondLst>
+                <p:cond evt="onNext" delay="0">
+                  <p:tgtEl>
+                    <p:sldTgt/>
+                  </p:tgtEl>
+                </p:cond>
+              </p:nextCondLst>
+            </p:seq>
+            <p:video>
+              <p:cMediaNode vol="80000">
+                <p:cTn id="7" fill="hold" display="0">
+                  <p:stCondLst>
+                    <p:cond delay="indefinite"/>
+                  </p:stCondLst>
+                </p:cTn>
+                <p:tgtEl>
+                  <p:spTgt spid="2"/>
+                </p:tgtEl>
+              </p:cMediaNode>
+            </p:video>
+            <p:seq concurrent="1" nextAc="seek">
+              <p:cTn id="8" restart="whenNotActive" fill="hold" evtFilter="cancelBubble" nodeType="interactiveSeq">
+                <p:stCondLst>
+                  <p:cond evt="onClick" delay="0">
+                    <p:tgtEl>
+                      <p:spTgt spid="2"/>
+                    </p:tgtEl>
+                  </p:cond>
+                </p:stCondLst>
+                <p:endSync evt="end" delay="0">
+                  <p:rtn val="all"/>
+                </p:endSync>
+                <p:childTnLst>
+                  <p:par>
+                    <p:cTn id="9" fill="hold">
+                      <p:stCondLst>
+                        <p:cond delay="0"/>
+                      </p:stCondLst>
+                      <p:childTnLst>
+                        <p:par>
+                          <p:cTn id="10" fill="hold">
+                            <p:stCondLst>
+                              <p:cond delay="0"/>
+                            </p:stCondLst>
+                            <p:childTnLst>
+                              <p:par>
+                                <p:cTn id="11" presetID="2" presetClass="mediacall" presetSubtype="0" fill="hold" nodeType="clickEffect">
+                                  <p:stCondLst>
+                                    <p:cond delay="0"/>
+                                  </p:stCondLst>
+                                  <p:childTnLst>
+                                    <p:cmd type="call" cmd="togglePause">
+                                      <p:cBhvr>
+                                        <p:cTn id="12" dur="1" fill="hold"/>
+                                        <p:tgtEl>
+                                          <p:spTgt spid="2"/>
+                                        </p:tgtEl>
+                                      </p:cBhvr>
+                                    </p:cmd>
+                                  </p:childTnLst>
+                                </p:cTn>
+                              </p:par>
+                            </p:childTnLst>
+                          </p:cTn>
+                        </p:par>
+                      </p:childTnLst>
+                    </p:cTn>
+                  </p:par>
+                </p:childTnLst>
+              </p:cTn>
+              <p:nextCondLst>
+                <p:cond evt="onClick" delay="0">
+                  <p:tgtEl>
+                    <p:spTgt spid="2"/>
+                  </p:tgtEl>
+                </p:cond>
+              </p:nextCondLst>
+            </p:seq>
+          </p:childTnLst>
+        </p:cTn>
+      </p:par>
+    </p:tnLst>
+  </p:timing>
+</p:sld>
+</file>
+
+<file path=ppt/slides/slide18.xml><?xml version="1.0" encoding="utf-8"?>
+<p:sld xmlns:a="http://schemas.openxmlformats.org/drawingml/2006/main" xmlns:r="http://schemas.openxmlformats.org/officeDocument/2006/relationships" xmlns:p="http://schemas.openxmlformats.org/presentationml/2006/main">
+  <p:cSld>
+    <p:spTree>
+      <p:nvGrpSpPr>
+        <p:cNvPr id="1" name=""/>
+        <p:cNvGrpSpPr/>
+        <p:nvPr/>
+      </p:nvGrpSpPr>
+      <p:grpSpPr>
+        <a:xfrm>
+          <a:off x="0" y="0"/>
+          <a:ext cx="0" cy="0"/>
+          <a:chOff x="0" y="0"/>
+          <a:chExt cx="0" cy="0"/>
+        </a:xfrm>
+      </p:grpSpPr>
+      <p:sp>
+        <p:nvSpPr>
+          <p:cNvPr id="7" name="Tytuł 6">
+            <a:extLst>
+              <a:ext uri="{FF2B5EF4-FFF2-40B4-BE49-F238E27FC236}">
+                <a16:creationId xmlns:a16="http://schemas.microsoft.com/office/drawing/2014/main" id="{3E174092-82D3-44E0-8948-4096232ED0A7}"/>
+              </a:ext>
+            </a:extLst>
+          </p:cNvPr>
+          <p:cNvSpPr>
+            <a:spLocks noGrp="1"/>
+          </p:cNvSpPr>
+          <p:nvPr>
+            <p:ph type="title"/>
+          </p:nvPr>
+        </p:nvSpPr>
+        <p:spPr>
+          <a:xfrm>
+            <a:off x="550862" y="549275"/>
+            <a:ext cx="11091600" cy="1332000"/>
+          </a:xfrm>
+        </p:spPr>
+        <p:txBody>
+          <a:bodyPr rtlCol="0"/>
+          <a:lstStyle/>
+          <a:p>
+            <a:pPr rtl="0"/>
+            <a:r>
+              <a:rPr lang="pl-PL" dirty="0"/>
+              <a:t>3. Profil</a:t>
+            </a:r>
+          </a:p>
+        </p:txBody>
+      </p:sp>
+      <p:sp>
+        <p:nvSpPr>
+          <p:cNvPr id="4" name="Data — symbol zastępczy 3">
+            <a:extLst>
+              <a:ext uri="{FF2B5EF4-FFF2-40B4-BE49-F238E27FC236}">
+                <a16:creationId xmlns:a16="http://schemas.microsoft.com/office/drawing/2014/main" id="{E39EF484-38C8-4EDC-ACF5-695CFB216839}"/>
+              </a:ext>
+            </a:extLst>
+          </p:cNvPr>
+          <p:cNvSpPr>
+            <a:spLocks noGrp="1"/>
+          </p:cNvSpPr>
+          <p:nvPr>
+            <p:ph type="dt" sz="half" idx="10"/>
+          </p:nvPr>
+        </p:nvSpPr>
+        <p:spPr>
+          <a:xfrm>
+            <a:off x="550863" y="6507212"/>
+            <a:ext cx="2628900" cy="153888"/>
+          </a:xfrm>
+        </p:spPr>
+        <p:txBody>
+          <a:bodyPr rtlCol="0"/>
+          <a:lstStyle/>
+          <a:p>
+            <a:pPr rtl="0"/>
+            <a:r>
+              <a:rPr lang="pl-PL" dirty="0"/>
+              <a:t>Piątek, 16 grudnia 2022</a:t>
+            </a:r>
+          </a:p>
+        </p:txBody>
+      </p:sp>
+      <p:sp>
+        <p:nvSpPr>
+          <p:cNvPr id="6" name="Numer slajdu — symbol zastępczy 5">
+            <a:extLst>
+              <a:ext uri="{FF2B5EF4-FFF2-40B4-BE49-F238E27FC236}">
+                <a16:creationId xmlns:a16="http://schemas.microsoft.com/office/drawing/2014/main" id="{705C33DF-36C9-49E9-B48D-A320B179C4D4}"/>
+              </a:ext>
+            </a:extLst>
+          </p:cNvPr>
+          <p:cNvSpPr>
+            <a:spLocks noGrp="1"/>
+          </p:cNvSpPr>
+          <p:nvPr>
+            <p:ph type="sldNum" sz="quarter" idx="12"/>
+          </p:nvPr>
+        </p:nvSpPr>
+        <p:spPr>
+          <a:xfrm>
+            <a:off x="9948863" y="6507212"/>
+            <a:ext cx="1692274" cy="153888"/>
+          </a:xfrm>
+        </p:spPr>
+        <p:txBody>
+          <a:bodyPr rtlCol="0"/>
+          <a:lstStyle/>
+          <a:p>
+            <a:pPr rtl="0"/>
+            <a:fld id="{DBA1B0FB-D917-4C8C-928F-313BD683BF39}" type="slidenum">
+              <a:rPr lang="pl-PL" smtClean="0"/>
+              <a:pPr rtl="0"/>
+              <a:t>18</a:t>
+            </a:fld>
+            <a:endParaRPr lang="pl-PL"/>
+          </a:p>
+        </p:txBody>
+      </p:sp>
+      <p:pic>
+        <p:nvPicPr>
+          <p:cNvPr id="3" name="Multimedia online 2" title="profile">
+            <a:hlinkClick r:id="" action="ppaction://media"/>
+            <a:extLst>
+              <a:ext uri="{FF2B5EF4-FFF2-40B4-BE49-F238E27FC236}">
+                <a16:creationId xmlns:a16="http://schemas.microsoft.com/office/drawing/2014/main" id="{FBC67519-7308-498C-47FA-D8130B722D68}"/>
+              </a:ext>
+            </a:extLst>
+          </p:cNvPr>
+          <p:cNvPicPr>
+            <a:picLocks noRot="1" noChangeAspect="1"/>
+          </p:cNvPicPr>
+          <p:nvPr>
+            <a:videoFile r:link="rId1"/>
+          </p:nvPr>
+        </p:nvPicPr>
+        <p:blipFill>
+          <a:blip r:embed="rId3"/>
+          <a:stretch>
+            <a:fillRect/>
+          </a:stretch>
+        </p:blipFill>
+        <p:spPr>
+          <a:xfrm>
+            <a:off x="2180602" y="1364971"/>
+            <a:ext cx="7830796" cy="4424400"/>
+          </a:xfrm>
+          <a:prstGeom prst="rect">
+            <a:avLst/>
+          </a:prstGeom>
+        </p:spPr>
+      </p:pic>
+    </p:spTree>
+    <p:extLst>
+      <p:ext uri="{BB962C8B-B14F-4D97-AF65-F5344CB8AC3E}">
+        <p14:creationId xmlns:p14="http://schemas.microsoft.com/office/powerpoint/2010/main" val="2103245482"/>
       </p:ext>
     </p:extLst>
   </p:cSld>
@@ -17388,634 +18016,6 @@
 </p:sld>
 </file>
 
-<file path=ppt/slides/slide17.xml><?xml version="1.0" encoding="utf-8"?>
-<p:sld xmlns:a="http://schemas.openxmlformats.org/drawingml/2006/main" xmlns:r="http://schemas.openxmlformats.org/officeDocument/2006/relationships" xmlns:p="http://schemas.openxmlformats.org/presentationml/2006/main">
-  <p:cSld>
-    <p:spTree>
-      <p:nvGrpSpPr>
-        <p:cNvPr id="1" name=""/>
-        <p:cNvGrpSpPr/>
-        <p:nvPr/>
-      </p:nvGrpSpPr>
-      <p:grpSpPr>
-        <a:xfrm>
-          <a:off x="0" y="0"/>
-          <a:ext cx="0" cy="0"/>
-          <a:chOff x="0" y="0"/>
-          <a:chExt cx="0" cy="0"/>
-        </a:xfrm>
-      </p:grpSpPr>
-      <p:sp>
-        <p:nvSpPr>
-          <p:cNvPr id="7" name="Tytuł 6">
-            <a:extLst>
-              <a:ext uri="{FF2B5EF4-FFF2-40B4-BE49-F238E27FC236}">
-                <a16:creationId xmlns:a16="http://schemas.microsoft.com/office/drawing/2014/main" id="{3E174092-82D3-44E0-8948-4096232ED0A7}"/>
-              </a:ext>
-            </a:extLst>
-          </p:cNvPr>
-          <p:cNvSpPr>
-            <a:spLocks noGrp="1"/>
-          </p:cNvSpPr>
-          <p:nvPr>
-            <p:ph type="title"/>
-          </p:nvPr>
-        </p:nvSpPr>
-        <p:spPr>
-          <a:xfrm>
-            <a:off x="550862" y="549275"/>
-            <a:ext cx="11091600" cy="1332000"/>
-          </a:xfrm>
-        </p:spPr>
-        <p:txBody>
-          <a:bodyPr rtlCol="0"/>
-          <a:lstStyle/>
-          <a:p>
-            <a:pPr rtl="0"/>
-            <a:r>
-              <a:rPr lang="pl-PL" dirty="0"/>
-              <a:t>2. Logowanie i rejestracja</a:t>
-            </a:r>
-          </a:p>
-        </p:txBody>
-      </p:sp>
-      <p:sp>
-        <p:nvSpPr>
-          <p:cNvPr id="4" name="Data — symbol zastępczy 3">
-            <a:extLst>
-              <a:ext uri="{FF2B5EF4-FFF2-40B4-BE49-F238E27FC236}">
-                <a16:creationId xmlns:a16="http://schemas.microsoft.com/office/drawing/2014/main" id="{E39EF484-38C8-4EDC-ACF5-695CFB216839}"/>
-              </a:ext>
-            </a:extLst>
-          </p:cNvPr>
-          <p:cNvSpPr>
-            <a:spLocks noGrp="1"/>
-          </p:cNvSpPr>
-          <p:nvPr>
-            <p:ph type="dt" sz="half" idx="10"/>
-          </p:nvPr>
-        </p:nvSpPr>
-        <p:spPr>
-          <a:xfrm>
-            <a:off x="550863" y="6507212"/>
-            <a:ext cx="2628900" cy="153888"/>
-          </a:xfrm>
-        </p:spPr>
-        <p:txBody>
-          <a:bodyPr rtlCol="0"/>
-          <a:lstStyle/>
-          <a:p>
-            <a:pPr rtl="0"/>
-            <a:r>
-              <a:rPr lang="pl-PL" dirty="0"/>
-              <a:t>Piątek, 16 grudnia 2022</a:t>
-            </a:r>
-          </a:p>
-        </p:txBody>
-      </p:sp>
-      <p:sp>
-        <p:nvSpPr>
-          <p:cNvPr id="6" name="Numer slajdu — symbol zastępczy 5">
-            <a:extLst>
-              <a:ext uri="{FF2B5EF4-FFF2-40B4-BE49-F238E27FC236}">
-                <a16:creationId xmlns:a16="http://schemas.microsoft.com/office/drawing/2014/main" id="{705C33DF-36C9-49E9-B48D-A320B179C4D4}"/>
-              </a:ext>
-            </a:extLst>
-          </p:cNvPr>
-          <p:cNvSpPr>
-            <a:spLocks noGrp="1"/>
-          </p:cNvSpPr>
-          <p:nvPr>
-            <p:ph type="sldNum" sz="quarter" idx="12"/>
-          </p:nvPr>
-        </p:nvSpPr>
-        <p:spPr>
-          <a:xfrm>
-            <a:off x="9948863" y="6507212"/>
-            <a:ext cx="1692274" cy="153888"/>
-          </a:xfrm>
-        </p:spPr>
-        <p:txBody>
-          <a:bodyPr rtlCol="0"/>
-          <a:lstStyle/>
-          <a:p>
-            <a:pPr rtl="0"/>
-            <a:fld id="{DBA1B0FB-D917-4C8C-928F-313BD683BF39}" type="slidenum">
-              <a:rPr lang="pl-PL" smtClean="0"/>
-              <a:pPr rtl="0"/>
-              <a:t>17</a:t>
-            </a:fld>
-            <a:endParaRPr lang="pl-PL"/>
-          </a:p>
-        </p:txBody>
-      </p:sp>
-      <p:pic>
-        <p:nvPicPr>
-          <p:cNvPr id="8" name="Multimedia online 7" title="Login">
-            <a:hlinkClick r:id="" action="ppaction://media"/>
-            <a:extLst>
-              <a:ext uri="{FF2B5EF4-FFF2-40B4-BE49-F238E27FC236}">
-                <a16:creationId xmlns:a16="http://schemas.microsoft.com/office/drawing/2014/main" id="{0F52480A-E3C0-B213-CDD9-35794610ADBF}"/>
-              </a:ext>
-            </a:extLst>
-          </p:cNvPr>
-          <p:cNvPicPr>
-            <a:picLocks noRot="1" noChangeAspect="1"/>
-          </p:cNvPicPr>
-          <p:nvPr>
-            <a:videoFile r:link="rId1"/>
-          </p:nvPr>
-        </p:nvPicPr>
-        <p:blipFill>
-          <a:blip r:embed="rId3"/>
-          <a:stretch>
-            <a:fillRect/>
-          </a:stretch>
-        </p:blipFill>
-        <p:spPr>
-          <a:xfrm>
-            <a:off x="2180602" y="1364970"/>
-            <a:ext cx="7830796" cy="4424400"/>
-          </a:xfrm>
-          <a:prstGeom prst="rect">
-            <a:avLst/>
-          </a:prstGeom>
-        </p:spPr>
-      </p:pic>
-    </p:spTree>
-    <p:extLst>
-      <p:ext uri="{BB962C8B-B14F-4D97-AF65-F5344CB8AC3E}">
-        <p14:creationId xmlns:p14="http://schemas.microsoft.com/office/powerpoint/2010/main" val="4279665904"/>
-      </p:ext>
-    </p:extLst>
-  </p:cSld>
-  <p:clrMapOvr>
-    <a:masterClrMapping/>
-  </p:clrMapOvr>
-  <mc:AlternateContent xmlns:mc="http://schemas.openxmlformats.org/markup-compatibility/2006" xmlns:p14="http://schemas.microsoft.com/office/powerpoint/2010/main">
-    <mc:Choice Requires="p14">
-      <p:transition spd="slow" p14:dur="1200">
-        <p14:prism/>
-      </p:transition>
-    </mc:Choice>
-    <mc:Fallback xmlns="">
-      <p:transition spd="slow">
-        <p:fade/>
-      </p:transition>
-    </mc:Fallback>
-  </mc:AlternateContent>
-  <p:timing>
-    <p:tnLst>
-      <p:par>
-        <p:cTn id="1" dur="indefinite" restart="never" nodeType="tmRoot">
-          <p:childTnLst>
-            <p:seq concurrent="1" nextAc="seek">
-              <p:cTn id="2" dur="indefinite" nodeType="mainSeq">
-                <p:childTnLst>
-                  <p:par>
-                    <p:cTn id="3" fill="hold">
-                      <p:stCondLst>
-                        <p:cond delay="indefinite"/>
-                      </p:stCondLst>
-                      <p:childTnLst>
-                        <p:par>
-                          <p:cTn id="4" fill="hold">
-                            <p:stCondLst>
-                              <p:cond delay="0"/>
-                            </p:stCondLst>
-                            <p:childTnLst>
-                              <p:par>
-                                <p:cTn id="5" presetID="1" presetClass="mediacall" presetSubtype="0" fill="hold" nodeType="clickEffect">
-                                  <p:stCondLst>
-                                    <p:cond delay="0"/>
-                                  </p:stCondLst>
-                                  <p:childTnLst>
-                                    <p:cmd type="call" cmd="playFrom(0.0)">
-                                      <p:cBhvr>
-                                        <p:cTn id="6" dur="1" fill="hold"/>
-                                        <p:tgtEl>
-                                          <p:spTgt spid="8"/>
-                                        </p:tgtEl>
-                                      </p:cBhvr>
-                                    </p:cmd>
-                                  </p:childTnLst>
-                                </p:cTn>
-                              </p:par>
-                            </p:childTnLst>
-                          </p:cTn>
-                        </p:par>
-                      </p:childTnLst>
-                    </p:cTn>
-                  </p:par>
-                </p:childTnLst>
-              </p:cTn>
-              <p:prevCondLst>
-                <p:cond evt="onPrev" delay="0">
-                  <p:tgtEl>
-                    <p:sldTgt/>
-                  </p:tgtEl>
-                </p:cond>
-              </p:prevCondLst>
-              <p:nextCondLst>
-                <p:cond evt="onNext" delay="0">
-                  <p:tgtEl>
-                    <p:sldTgt/>
-                  </p:tgtEl>
-                </p:cond>
-              </p:nextCondLst>
-            </p:seq>
-            <p:video>
-              <p:cMediaNode vol="80000">
-                <p:cTn id="7" fill="hold" display="0">
-                  <p:stCondLst>
-                    <p:cond delay="indefinite"/>
-                  </p:stCondLst>
-                </p:cTn>
-                <p:tgtEl>
-                  <p:spTgt spid="8"/>
-                </p:tgtEl>
-              </p:cMediaNode>
-            </p:video>
-            <p:seq concurrent="1" nextAc="seek">
-              <p:cTn id="8" restart="whenNotActive" fill="hold" evtFilter="cancelBubble" nodeType="interactiveSeq">
-                <p:stCondLst>
-                  <p:cond evt="onClick" delay="0">
-                    <p:tgtEl>
-                      <p:spTgt spid="8"/>
-                    </p:tgtEl>
-                  </p:cond>
-                </p:stCondLst>
-                <p:endSync evt="end" delay="0">
-                  <p:rtn val="all"/>
-                </p:endSync>
-                <p:childTnLst>
-                  <p:par>
-                    <p:cTn id="9" fill="hold">
-                      <p:stCondLst>
-                        <p:cond delay="0"/>
-                      </p:stCondLst>
-                      <p:childTnLst>
-                        <p:par>
-                          <p:cTn id="10" fill="hold">
-                            <p:stCondLst>
-                              <p:cond delay="0"/>
-                            </p:stCondLst>
-                            <p:childTnLst>
-                              <p:par>
-                                <p:cTn id="11" presetID="2" presetClass="mediacall" presetSubtype="0" fill="hold" nodeType="clickEffect">
-                                  <p:stCondLst>
-                                    <p:cond delay="0"/>
-                                  </p:stCondLst>
-                                  <p:childTnLst>
-                                    <p:cmd type="call" cmd="togglePause">
-                                      <p:cBhvr>
-                                        <p:cTn id="12" dur="1" fill="hold"/>
-                                        <p:tgtEl>
-                                          <p:spTgt spid="8"/>
-                                        </p:tgtEl>
-                                      </p:cBhvr>
-                                    </p:cmd>
-                                  </p:childTnLst>
-                                </p:cTn>
-                              </p:par>
-                            </p:childTnLst>
-                          </p:cTn>
-                        </p:par>
-                      </p:childTnLst>
-                    </p:cTn>
-                  </p:par>
-                </p:childTnLst>
-              </p:cTn>
-              <p:nextCondLst>
-                <p:cond evt="onClick" delay="0">
-                  <p:tgtEl>
-                    <p:spTgt spid="8"/>
-                  </p:tgtEl>
-                </p:cond>
-              </p:nextCondLst>
-            </p:seq>
-          </p:childTnLst>
-        </p:cTn>
-      </p:par>
-    </p:tnLst>
-  </p:timing>
-</p:sld>
-</file>
-
-<file path=ppt/slides/slide18.xml><?xml version="1.0" encoding="utf-8"?>
-<p:sld xmlns:a="http://schemas.openxmlformats.org/drawingml/2006/main" xmlns:r="http://schemas.openxmlformats.org/officeDocument/2006/relationships" xmlns:p="http://schemas.openxmlformats.org/presentationml/2006/main">
-  <p:cSld>
-    <p:spTree>
-      <p:nvGrpSpPr>
-        <p:cNvPr id="1" name=""/>
-        <p:cNvGrpSpPr/>
-        <p:nvPr/>
-      </p:nvGrpSpPr>
-      <p:grpSpPr>
-        <a:xfrm>
-          <a:off x="0" y="0"/>
-          <a:ext cx="0" cy="0"/>
-          <a:chOff x="0" y="0"/>
-          <a:chExt cx="0" cy="0"/>
-        </a:xfrm>
-      </p:grpSpPr>
-      <p:sp>
-        <p:nvSpPr>
-          <p:cNvPr id="7" name="Tytuł 6">
-            <a:extLst>
-              <a:ext uri="{FF2B5EF4-FFF2-40B4-BE49-F238E27FC236}">
-                <a16:creationId xmlns:a16="http://schemas.microsoft.com/office/drawing/2014/main" id="{3E174092-82D3-44E0-8948-4096232ED0A7}"/>
-              </a:ext>
-            </a:extLst>
-          </p:cNvPr>
-          <p:cNvSpPr>
-            <a:spLocks noGrp="1"/>
-          </p:cNvSpPr>
-          <p:nvPr>
-            <p:ph type="title"/>
-          </p:nvPr>
-        </p:nvSpPr>
-        <p:spPr>
-          <a:xfrm>
-            <a:off x="550862" y="549275"/>
-            <a:ext cx="11091600" cy="1332000"/>
-          </a:xfrm>
-        </p:spPr>
-        <p:txBody>
-          <a:bodyPr rtlCol="0"/>
-          <a:lstStyle/>
-          <a:p>
-            <a:pPr rtl="0"/>
-            <a:r>
-              <a:rPr lang="pl-PL" dirty="0"/>
-              <a:t>3. Profil</a:t>
-            </a:r>
-          </a:p>
-        </p:txBody>
-      </p:sp>
-      <p:sp>
-        <p:nvSpPr>
-          <p:cNvPr id="4" name="Data — symbol zastępczy 3">
-            <a:extLst>
-              <a:ext uri="{FF2B5EF4-FFF2-40B4-BE49-F238E27FC236}">
-                <a16:creationId xmlns:a16="http://schemas.microsoft.com/office/drawing/2014/main" id="{E39EF484-38C8-4EDC-ACF5-695CFB216839}"/>
-              </a:ext>
-            </a:extLst>
-          </p:cNvPr>
-          <p:cNvSpPr>
-            <a:spLocks noGrp="1"/>
-          </p:cNvSpPr>
-          <p:nvPr>
-            <p:ph type="dt" sz="half" idx="10"/>
-          </p:nvPr>
-        </p:nvSpPr>
-        <p:spPr>
-          <a:xfrm>
-            <a:off x="550863" y="6507212"/>
-            <a:ext cx="2628900" cy="153888"/>
-          </a:xfrm>
-        </p:spPr>
-        <p:txBody>
-          <a:bodyPr rtlCol="0"/>
-          <a:lstStyle/>
-          <a:p>
-            <a:pPr rtl="0"/>
-            <a:r>
-              <a:rPr lang="pl-PL" dirty="0"/>
-              <a:t>Piątek, 16 grudnia 2022</a:t>
-            </a:r>
-          </a:p>
-        </p:txBody>
-      </p:sp>
-      <p:sp>
-        <p:nvSpPr>
-          <p:cNvPr id="6" name="Numer slajdu — symbol zastępczy 5">
-            <a:extLst>
-              <a:ext uri="{FF2B5EF4-FFF2-40B4-BE49-F238E27FC236}">
-                <a16:creationId xmlns:a16="http://schemas.microsoft.com/office/drawing/2014/main" id="{705C33DF-36C9-49E9-B48D-A320B179C4D4}"/>
-              </a:ext>
-            </a:extLst>
-          </p:cNvPr>
-          <p:cNvSpPr>
-            <a:spLocks noGrp="1"/>
-          </p:cNvSpPr>
-          <p:nvPr>
-            <p:ph type="sldNum" sz="quarter" idx="12"/>
-          </p:nvPr>
-        </p:nvSpPr>
-        <p:spPr>
-          <a:xfrm>
-            <a:off x="9948863" y="6507212"/>
-            <a:ext cx="1692274" cy="153888"/>
-          </a:xfrm>
-        </p:spPr>
-        <p:txBody>
-          <a:bodyPr rtlCol="0"/>
-          <a:lstStyle/>
-          <a:p>
-            <a:pPr rtl="0"/>
-            <a:fld id="{DBA1B0FB-D917-4C8C-928F-313BD683BF39}" type="slidenum">
-              <a:rPr lang="pl-PL" smtClean="0"/>
-              <a:pPr rtl="0"/>
-              <a:t>18</a:t>
-            </a:fld>
-            <a:endParaRPr lang="pl-PL"/>
-          </a:p>
-        </p:txBody>
-      </p:sp>
-      <p:pic>
-        <p:nvPicPr>
-          <p:cNvPr id="2" name="Multimedia online 1" title="Profile">
-            <a:hlinkClick r:id="" action="ppaction://media"/>
-            <a:extLst>
-              <a:ext uri="{FF2B5EF4-FFF2-40B4-BE49-F238E27FC236}">
-                <a16:creationId xmlns:a16="http://schemas.microsoft.com/office/drawing/2014/main" id="{EB13C40B-8992-F197-AE4B-7E314CEEF975}"/>
-              </a:ext>
-            </a:extLst>
-          </p:cNvPr>
-          <p:cNvPicPr>
-            <a:picLocks noRot="1" noChangeAspect="1"/>
-          </p:cNvPicPr>
-          <p:nvPr>
-            <a:videoFile r:link="rId1"/>
-          </p:nvPr>
-        </p:nvPicPr>
-        <p:blipFill>
-          <a:blip r:embed="rId3"/>
-          <a:stretch>
-            <a:fillRect/>
-          </a:stretch>
-        </p:blipFill>
-        <p:spPr>
-          <a:xfrm>
-            <a:off x="2180602" y="1375019"/>
-            <a:ext cx="7830796" cy="4424400"/>
-          </a:xfrm>
-          <a:prstGeom prst="rect">
-            <a:avLst/>
-          </a:prstGeom>
-        </p:spPr>
-      </p:pic>
-    </p:spTree>
-    <p:extLst>
-      <p:ext uri="{BB962C8B-B14F-4D97-AF65-F5344CB8AC3E}">
-        <p14:creationId xmlns:p14="http://schemas.microsoft.com/office/powerpoint/2010/main" val="2103245482"/>
-      </p:ext>
-    </p:extLst>
-  </p:cSld>
-  <p:clrMapOvr>
-    <a:masterClrMapping/>
-  </p:clrMapOvr>
-  <mc:AlternateContent xmlns:mc="http://schemas.openxmlformats.org/markup-compatibility/2006" xmlns:p14="http://schemas.microsoft.com/office/powerpoint/2010/main">
-    <mc:Choice Requires="p14">
-      <p:transition spd="slow" p14:dur="1200">
-        <p14:prism/>
-      </p:transition>
-    </mc:Choice>
-    <mc:Fallback xmlns="">
-      <p:transition spd="slow">
-        <p:fade/>
-      </p:transition>
-    </mc:Fallback>
-  </mc:AlternateContent>
-  <p:timing>
-    <p:tnLst>
-      <p:par>
-        <p:cTn id="1" dur="indefinite" restart="never" nodeType="tmRoot">
-          <p:childTnLst>
-            <p:seq concurrent="1" nextAc="seek">
-              <p:cTn id="2" dur="indefinite" nodeType="mainSeq">
-                <p:childTnLst>
-                  <p:par>
-                    <p:cTn id="3" fill="hold">
-                      <p:stCondLst>
-                        <p:cond delay="indefinite"/>
-                      </p:stCondLst>
-                      <p:childTnLst>
-                        <p:par>
-                          <p:cTn id="4" fill="hold">
-                            <p:stCondLst>
-                              <p:cond delay="0"/>
-                            </p:stCondLst>
-                            <p:childTnLst>
-                              <p:par>
-                                <p:cTn id="5" presetID="1" presetClass="mediacall" presetSubtype="0" fill="hold" nodeType="clickEffect">
-                                  <p:stCondLst>
-                                    <p:cond delay="0"/>
-                                  </p:stCondLst>
-                                  <p:childTnLst>
-                                    <p:cmd type="call" cmd="playFrom(0.0)">
-                                      <p:cBhvr>
-                                        <p:cTn id="6" dur="1" fill="hold"/>
-                                        <p:tgtEl>
-                                          <p:spTgt spid="2"/>
-                                        </p:tgtEl>
-                                      </p:cBhvr>
-                                    </p:cmd>
-                                  </p:childTnLst>
-                                </p:cTn>
-                              </p:par>
-                            </p:childTnLst>
-                          </p:cTn>
-                        </p:par>
-                      </p:childTnLst>
-                    </p:cTn>
-                  </p:par>
-                </p:childTnLst>
-              </p:cTn>
-              <p:prevCondLst>
-                <p:cond evt="onPrev" delay="0">
-                  <p:tgtEl>
-                    <p:sldTgt/>
-                  </p:tgtEl>
-                </p:cond>
-              </p:prevCondLst>
-              <p:nextCondLst>
-                <p:cond evt="onNext" delay="0">
-                  <p:tgtEl>
-                    <p:sldTgt/>
-                  </p:tgtEl>
-                </p:cond>
-              </p:nextCondLst>
-            </p:seq>
-            <p:video>
-              <p:cMediaNode vol="80000">
-                <p:cTn id="7" fill="hold" display="0">
-                  <p:stCondLst>
-                    <p:cond delay="indefinite"/>
-                  </p:stCondLst>
-                </p:cTn>
-                <p:tgtEl>
-                  <p:spTgt spid="2"/>
-                </p:tgtEl>
-              </p:cMediaNode>
-            </p:video>
-            <p:seq concurrent="1" nextAc="seek">
-              <p:cTn id="8" restart="whenNotActive" fill="hold" evtFilter="cancelBubble" nodeType="interactiveSeq">
-                <p:stCondLst>
-                  <p:cond evt="onClick" delay="0">
-                    <p:tgtEl>
-                      <p:spTgt spid="2"/>
-                    </p:tgtEl>
-                  </p:cond>
-                </p:stCondLst>
-                <p:endSync evt="end" delay="0">
-                  <p:rtn val="all"/>
-                </p:endSync>
-                <p:childTnLst>
-                  <p:par>
-                    <p:cTn id="9" fill="hold">
-                      <p:stCondLst>
-                        <p:cond delay="0"/>
-                      </p:stCondLst>
-                      <p:childTnLst>
-                        <p:par>
-                          <p:cTn id="10" fill="hold">
-                            <p:stCondLst>
-                              <p:cond delay="0"/>
-                            </p:stCondLst>
-                            <p:childTnLst>
-                              <p:par>
-                                <p:cTn id="11" presetID="2" presetClass="mediacall" presetSubtype="0" fill="hold" nodeType="clickEffect">
-                                  <p:stCondLst>
-                                    <p:cond delay="0"/>
-                                  </p:stCondLst>
-                                  <p:childTnLst>
-                                    <p:cmd type="call" cmd="togglePause">
-                                      <p:cBhvr>
-                                        <p:cTn id="12" dur="1" fill="hold"/>
-                                        <p:tgtEl>
-                                          <p:spTgt spid="2"/>
-                                        </p:tgtEl>
-                                      </p:cBhvr>
-                                    </p:cmd>
-                                  </p:childTnLst>
-                                </p:cTn>
-                              </p:par>
-                            </p:childTnLst>
-                          </p:cTn>
-                        </p:par>
-                      </p:childTnLst>
-                    </p:cTn>
-                  </p:par>
-                </p:childTnLst>
-              </p:cTn>
-              <p:nextCondLst>
-                <p:cond evt="onClick" delay="0">
-                  <p:tgtEl>
-                    <p:spTgt spid="2"/>
-                  </p:tgtEl>
-                </p:cond>
-              </p:nextCondLst>
-            </p:seq>
-          </p:childTnLst>
-        </p:cTn>
-      </p:par>
-    </p:tnLst>
-  </p:timing>
-</p:sld>
-</file>
-
 <file path=ppt/slides/slide19.xml><?xml version="1.0" encoding="utf-8"?>
 <p:sld xmlns:a="http://schemas.openxmlformats.org/drawingml/2006/main" xmlns:r="http://schemas.openxmlformats.org/officeDocument/2006/relationships" xmlns:p="http://schemas.openxmlformats.org/presentationml/2006/main">
   <p:cSld>
@@ -18139,11 +18139,11 @@
       </p:sp>
       <p:pic>
         <p:nvPicPr>
-          <p:cNvPr id="2" name="Multimedia online 1" title="Cart introduction">
+          <p:cNvPr id="3" name="Multimedia online 2" title="cart manegment">
             <a:hlinkClick r:id="" action="ppaction://media"/>
             <a:extLst>
               <a:ext uri="{FF2B5EF4-FFF2-40B4-BE49-F238E27FC236}">
-                <a16:creationId xmlns:a16="http://schemas.microsoft.com/office/drawing/2014/main" id="{1BE23326-DC5E-F2D2-A2FB-0C23CC86D15A}"/>
+                <a16:creationId xmlns:a16="http://schemas.microsoft.com/office/drawing/2014/main" id="{08258D4A-02B4-B891-D91E-3E8E27D061A2}"/>
               </a:ext>
             </a:extLst>
           </p:cNvPr>
@@ -18162,8 +18162,8 @@
         </p:blipFill>
         <p:spPr>
           <a:xfrm>
-            <a:off x="2180601" y="1555889"/>
-            <a:ext cx="7830797" cy="4424400"/>
+            <a:off x="2180602" y="1425261"/>
+            <a:ext cx="7830796" cy="4424400"/>
           </a:xfrm>
           <a:prstGeom prst="rect">
             <a:avLst/>
@@ -18222,7 +18222,7 @@
                                       <p:cBhvr>
                                         <p:cTn id="6" dur="1" fill="hold"/>
                                         <p:tgtEl>
-                                          <p:spTgt spid="2"/>
+                                          <p:spTgt spid="3"/>
                                         </p:tgtEl>
                                       </p:cBhvr>
                                     </p:cmd>
@@ -18260,7 +18260,7 @@
                   </p:stCondLst>
                 </p:cTn>
                 <p:tgtEl>
-                  <p:spTgt spid="2"/>
+                  <p:spTgt spid="3"/>
                 </p:tgtEl>
               </p:cMediaNode>
             </p:video>
@@ -18269,7 +18269,7 @@
                 <p:stCondLst>
                   <p:cond evt="onClick" delay="0">
                     <p:tgtEl>
-                      <p:spTgt spid="2"/>
+                      <p:spTgt spid="3"/>
                     </p:tgtEl>
                   </p:cond>
                 </p:stCondLst>
@@ -18299,7 +18299,7 @@
                                       <p:cBhvr>
                                         <p:cTn id="12" dur="1" fill="hold"/>
                                         <p:tgtEl>
-                                          <p:spTgt spid="2"/>
+                                          <p:spTgt spid="3"/>
                                         </p:tgtEl>
                                       </p:cBhvr>
                                     </p:cmd>
@@ -18317,7 +18317,7 @@
               <p:nextCondLst>
                 <p:cond evt="onClick" delay="0">
                   <p:tgtEl>
-                    <p:spTgt spid="2"/>
+                    <p:spTgt spid="3"/>
                   </p:tgtEl>
                 </p:cond>
               </p:nextCondLst>
@@ -19261,11 +19261,11 @@
       </p:sp>
       <p:pic>
         <p:nvPicPr>
-          <p:cNvPr id="2" name="Multimedia online 1" title="Search">
+          <p:cNvPr id="3" name="Multimedia online 2" title="SearchBar">
             <a:hlinkClick r:id="" action="ppaction://media"/>
             <a:extLst>
               <a:ext uri="{FF2B5EF4-FFF2-40B4-BE49-F238E27FC236}">
-                <a16:creationId xmlns:a16="http://schemas.microsoft.com/office/drawing/2014/main" id="{5D0FC195-8E13-0753-723F-1ED62F0749FB}"/>
+                <a16:creationId xmlns:a16="http://schemas.microsoft.com/office/drawing/2014/main" id="{F83A3B7F-EC6A-641E-0FC7-1B5A2B40B29E}"/>
               </a:ext>
             </a:extLst>
           </p:cNvPr>
@@ -19284,7 +19284,7 @@
         </p:blipFill>
         <p:spPr>
           <a:xfrm>
-            <a:off x="2180602" y="1347428"/>
+            <a:off x="2180602" y="1375020"/>
             <a:ext cx="7830796" cy="4424400"/>
           </a:xfrm>
           <a:prstGeom prst="rect">
@@ -19344,7 +19344,7 @@
                                       <p:cBhvr>
                                         <p:cTn id="6" dur="1" fill="hold"/>
                                         <p:tgtEl>
-                                          <p:spTgt spid="2"/>
+                                          <p:spTgt spid="3"/>
                                         </p:tgtEl>
                                       </p:cBhvr>
                                     </p:cmd>
@@ -19382,7 +19382,7 @@
                   </p:stCondLst>
                 </p:cTn>
                 <p:tgtEl>
-                  <p:spTgt spid="2"/>
+                  <p:spTgt spid="3"/>
                 </p:tgtEl>
               </p:cMediaNode>
             </p:video>
@@ -19391,7 +19391,7 @@
                 <p:stCondLst>
                   <p:cond evt="onClick" delay="0">
                     <p:tgtEl>
-                      <p:spTgt spid="2"/>
+                      <p:spTgt spid="3"/>
                     </p:tgtEl>
                   </p:cond>
                 </p:stCondLst>
@@ -19421,7 +19421,7 @@
                                       <p:cBhvr>
                                         <p:cTn id="12" dur="1" fill="hold"/>
                                         <p:tgtEl>
-                                          <p:spTgt spid="2"/>
+                                          <p:spTgt spid="3"/>
                                         </p:tgtEl>
                                       </p:cBhvr>
                                     </p:cmd>
@@ -19439,7 +19439,7 @@
               <p:nextCondLst>
                 <p:cond evt="onClick" delay="0">
                   <p:tgtEl>
-                    <p:spTgt spid="2"/>
+                    <p:spTgt spid="3"/>
                   </p:tgtEl>
                 </p:cond>
               </p:nextCondLst>
@@ -19575,11 +19575,11 @@
       </p:sp>
       <p:pic>
         <p:nvPicPr>
-          <p:cNvPr id="2" name="Multimedia online 1" title="LogOut">
+          <p:cNvPr id="3" name="Multimedia online 2" title="LogOut">
             <a:hlinkClick r:id="" action="ppaction://media"/>
             <a:extLst>
               <a:ext uri="{FF2B5EF4-FFF2-40B4-BE49-F238E27FC236}">
-                <a16:creationId xmlns:a16="http://schemas.microsoft.com/office/drawing/2014/main" id="{6A34ED18-5215-9E5E-484A-06F39F29B2AB}"/>
+                <a16:creationId xmlns:a16="http://schemas.microsoft.com/office/drawing/2014/main" id="{D9B50114-DA05-CFBD-B3B9-CD64041FC25F}"/>
               </a:ext>
             </a:extLst>
           </p:cNvPr>
@@ -19598,7 +19598,7 @@
         </p:blipFill>
         <p:spPr>
           <a:xfrm>
-            <a:off x="2180602" y="1415213"/>
+            <a:off x="2180602" y="1445357"/>
             <a:ext cx="7830796" cy="4424400"/>
           </a:xfrm>
           <a:prstGeom prst="rect">
@@ -19658,7 +19658,7 @@
                                       <p:cBhvr>
                                         <p:cTn id="6" dur="1" fill="hold"/>
                                         <p:tgtEl>
-                                          <p:spTgt spid="2"/>
+                                          <p:spTgt spid="3"/>
                                         </p:tgtEl>
                                       </p:cBhvr>
                                     </p:cmd>
@@ -19696,7 +19696,7 @@
                   </p:stCondLst>
                 </p:cTn>
                 <p:tgtEl>
-                  <p:spTgt spid="2"/>
+                  <p:spTgt spid="3"/>
                 </p:tgtEl>
               </p:cMediaNode>
             </p:video>
@@ -19705,7 +19705,7 @@
                 <p:stCondLst>
                   <p:cond evt="onClick" delay="0">
                     <p:tgtEl>
-                      <p:spTgt spid="2"/>
+                      <p:spTgt spid="3"/>
                     </p:tgtEl>
                   </p:cond>
                 </p:stCondLst>
@@ -19735,7 +19735,7 @@
                                       <p:cBhvr>
                                         <p:cTn id="12" dur="1" fill="hold"/>
                                         <p:tgtEl>
-                                          <p:spTgt spid="2"/>
+                                          <p:spTgt spid="3"/>
                                         </p:tgtEl>
                                       </p:cBhvr>
                                     </p:cmd>
@@ -19753,7 +19753,7 @@
               <p:nextCondLst>
                 <p:cond evt="onClick" delay="0">
                   <p:tgtEl>
-                    <p:spTgt spid="2"/>
+                    <p:spTgt spid="3"/>
                   </p:tgtEl>
                 </p:cond>
               </p:nextCondLst>
@@ -19889,11 +19889,11 @@
       </p:sp>
       <p:pic>
         <p:nvPicPr>
-          <p:cNvPr id="2" name="Multimedia online 1" title="Contact">
+          <p:cNvPr id="3" name="Multimedia online 2" title="ContactUs">
             <a:hlinkClick r:id="" action="ppaction://media"/>
             <a:extLst>
               <a:ext uri="{FF2B5EF4-FFF2-40B4-BE49-F238E27FC236}">
-                <a16:creationId xmlns:a16="http://schemas.microsoft.com/office/drawing/2014/main" id="{7E9BF077-B350-4CFE-11EE-FE8818B5CA03}"/>
+                <a16:creationId xmlns:a16="http://schemas.microsoft.com/office/drawing/2014/main" id="{84C67FEA-6B87-8D48-9EBA-524A4BBF1688}"/>
               </a:ext>
             </a:extLst>
           </p:cNvPr>
@@ -19912,7 +19912,7 @@
         </p:blipFill>
         <p:spPr>
           <a:xfrm>
-            <a:off x="2180602" y="1415213"/>
+            <a:off x="2180602" y="1364970"/>
             <a:ext cx="7830796" cy="4424400"/>
           </a:xfrm>
           <a:prstGeom prst="rect">
@@ -19972,7 +19972,7 @@
                                       <p:cBhvr>
                                         <p:cTn id="6" dur="1" fill="hold"/>
                                         <p:tgtEl>
-                                          <p:spTgt spid="2"/>
+                                          <p:spTgt spid="3"/>
                                         </p:tgtEl>
                                       </p:cBhvr>
                                     </p:cmd>
@@ -20010,7 +20010,7 @@
                   </p:stCondLst>
                 </p:cTn>
                 <p:tgtEl>
-                  <p:spTgt spid="2"/>
+                  <p:spTgt spid="3"/>
                 </p:tgtEl>
               </p:cMediaNode>
             </p:video>
@@ -20019,7 +20019,7 @@
                 <p:stCondLst>
                   <p:cond evt="onClick" delay="0">
                     <p:tgtEl>
-                      <p:spTgt spid="2"/>
+                      <p:spTgt spid="3"/>
                     </p:tgtEl>
                   </p:cond>
                 </p:stCondLst>
@@ -20049,7 +20049,7 @@
                                       <p:cBhvr>
                                         <p:cTn id="12" dur="1" fill="hold"/>
                                         <p:tgtEl>
-                                          <p:spTgt spid="2"/>
+                                          <p:spTgt spid="3"/>
                                         </p:tgtEl>
                                       </p:cBhvr>
                                     </p:cmd>
@@ -20067,7 +20067,7 @@
               <p:nextCondLst>
                 <p:cond evt="onClick" delay="0">
                   <p:tgtEl>
-                    <p:spTgt spid="2"/>
+                    <p:spTgt spid="3"/>
                   </p:tgtEl>
                 </p:cond>
               </p:nextCondLst>
@@ -26581,6 +26581,15 @@
 </file>
 
 <file path=customXml/item1.xml><?xml version="1.0" encoding="utf-8"?>
+<?mso-contentType ?>
+<FormTemplates xmlns="http://schemas.microsoft.com/sharepoint/v3/contenttype/forms">
+  <Display>DocumentLibraryForm</Display>
+  <Edit>DocumentLibraryForm</Edit>
+  <New>DocumentLibraryForm</New>
+</FormTemplates>
+</file>
+
+<file path=customXml/item2.xml><?xml version="1.0" encoding="utf-8"?>
 <p:properties xmlns:p="http://schemas.microsoft.com/office/2006/metadata/properties" xmlns:xsi="http://www.w3.org/2001/XMLSchema-instance" xmlns:pc="http://schemas.microsoft.com/office/infopath/2007/PartnerControls">
   <documentManagement>
     <_ip_UnifiedCompliancePolicyUIAction xmlns="http://schemas.microsoft.com/sharepoint/v3" xsi:nil="true"/>
@@ -26597,15 +26606,6 @@
     <MediaServiceKeyPoints xmlns="71af3243-3dd4-4a8d-8c0d-dd76da1f02a5" xsi:nil="true"/>
   </documentManagement>
 </p:properties>
-</file>
-
-<file path=customXml/item2.xml><?xml version="1.0" encoding="utf-8"?>
-<?mso-contentType ?>
-<FormTemplates xmlns="http://schemas.microsoft.com/sharepoint/v3/contenttype/forms">
-  <Display>DocumentLibraryForm</Display>
-  <Edit>DocumentLibraryForm</Edit>
-  <New>DocumentLibraryForm</New>
-</FormTemplates>
 </file>
 
 <file path=customXml/item3.xml><?xml version="1.0" encoding="utf-8"?>
@@ -26885,6 +26885,14 @@
 </file>
 
 <file path=customXml/itemProps1.xml><?xml version="1.0" encoding="utf-8"?>
+<ds:datastoreItem xmlns:ds="http://schemas.openxmlformats.org/officeDocument/2006/customXml" ds:itemID="{904751AB-E840-446F-8D49-E697067EC887}">
+  <ds:schemaRefs>
+    <ds:schemaRef ds:uri="http://schemas.microsoft.com/sharepoint/v3/contenttype/forms"/>
+  </ds:schemaRefs>
+</ds:datastoreItem>
+</file>
+
+<file path=customXml/itemProps2.xml><?xml version="1.0" encoding="utf-8"?>
 <ds:datastoreItem xmlns:ds="http://schemas.openxmlformats.org/officeDocument/2006/customXml" ds:itemID="{50811A92-D464-4AC4-A396-BA73B10CEEAC}">
   <ds:schemaRefs>
     <ds:schemaRef ds:uri="http://schemas.microsoft.com/office/2006/metadata/properties"/>
@@ -26892,14 +26900,6 @@
     <ds:schemaRef ds:uri="http://schemas.microsoft.com/sharepoint/v3"/>
     <ds:schemaRef ds:uri="71af3243-3dd4-4a8d-8c0d-dd76da1f02a5"/>
     <ds:schemaRef ds:uri="230e9df3-be65-4c73-a93b-d1236ebd677e"/>
-  </ds:schemaRefs>
-</ds:datastoreItem>
-</file>
-
-<file path=customXml/itemProps2.xml><?xml version="1.0" encoding="utf-8"?>
-<ds:datastoreItem xmlns:ds="http://schemas.openxmlformats.org/officeDocument/2006/customXml" ds:itemID="{904751AB-E840-446F-8D49-E697067EC887}">
-  <ds:schemaRefs>
-    <ds:schemaRef ds:uri="http://schemas.microsoft.com/sharepoint/v3/contenttype/forms"/>
   </ds:schemaRefs>
 </ds:datastoreItem>
 </file>
